--- a/Slides/DSP_Theory.pptx
+++ b/Slides/DSP_Theory.pptx
@@ -7,18 +7,21 @@
   <p:sldIdLst>
     <p:sldId id="256" r:id="rId2"/>
     <p:sldId id="266" r:id="rId3"/>
-    <p:sldId id="267" r:id="rId4"/>
-    <p:sldId id="257" r:id="rId5"/>
-    <p:sldId id="269" r:id="rId6"/>
-    <p:sldId id="258" r:id="rId7"/>
-    <p:sldId id="259" r:id="rId8"/>
-    <p:sldId id="260" r:id="rId9"/>
-    <p:sldId id="261" r:id="rId10"/>
-    <p:sldId id="262" r:id="rId11"/>
-    <p:sldId id="263" r:id="rId12"/>
-    <p:sldId id="264" r:id="rId13"/>
-    <p:sldId id="265" r:id="rId14"/>
-    <p:sldId id="268" r:id="rId15"/>
+    <p:sldId id="270" r:id="rId4"/>
+    <p:sldId id="271" r:id="rId5"/>
+    <p:sldId id="272" r:id="rId6"/>
+    <p:sldId id="267" r:id="rId7"/>
+    <p:sldId id="257" r:id="rId8"/>
+    <p:sldId id="269" r:id="rId9"/>
+    <p:sldId id="258" r:id="rId10"/>
+    <p:sldId id="259" r:id="rId11"/>
+    <p:sldId id="260" r:id="rId12"/>
+    <p:sldId id="261" r:id="rId13"/>
+    <p:sldId id="262" r:id="rId14"/>
+    <p:sldId id="263" r:id="rId15"/>
+    <p:sldId id="264" r:id="rId16"/>
+    <p:sldId id="265" r:id="rId17"/>
+    <p:sldId id="268" r:id="rId18"/>
   </p:sldIdLst>
   <p:sldSz cx="12192000" cy="6858000"/>
   <p:notesSz cx="6858000" cy="9144000"/>
@@ -117,6 +120,11 @@
       </a:defRPr>
     </a:lvl9pPr>
   </p:defaultTextStyle>
+  <p:extLst>
+    <p:ext uri="{EFAFB233-063F-42B5-8137-9DF3F51BA10A}">
+      <p15:sldGuideLst xmlns:p15="http://schemas.microsoft.com/office/powerpoint/2012/main"/>
+    </p:ext>
+  </p:extLst>
 </p:presentation>
 </file>
 
@@ -842,7 +850,7 @@
           <a:p>
             <a:fld id="{48DEDEE2-3344-4BDE-BA9B-B6D109E616B1}" type="datetimeFigureOut">
               <a:rPr lang="en-US" smtClean="0"/>
-              <a:t>9/24/2025</a:t>
+              <a:t>9/25/2025</a:t>
             </a:fld>
             <a:endParaRPr lang="en-US"/>
           </a:p>
@@ -1093,7 +1101,7 @@
           <a:p>
             <a:fld id="{48DEDEE2-3344-4BDE-BA9B-B6D109E616B1}" type="datetimeFigureOut">
               <a:rPr lang="en-US" smtClean="0"/>
-              <a:t>9/24/2025</a:t>
+              <a:t>9/25/2025</a:t>
             </a:fld>
             <a:endParaRPr lang="en-US"/>
           </a:p>
@@ -1407,7 +1415,7 @@
           <a:p>
             <a:fld id="{48DEDEE2-3344-4BDE-BA9B-B6D109E616B1}" type="datetimeFigureOut">
               <a:rPr lang="en-US" smtClean="0"/>
-              <a:t>9/24/2025</a:t>
+              <a:t>9/25/2025</a:t>
             </a:fld>
             <a:endParaRPr lang="en-US"/>
           </a:p>
@@ -1748,7 +1756,7 @@
           <a:p>
             <a:fld id="{48DEDEE2-3344-4BDE-BA9B-B6D109E616B1}" type="datetimeFigureOut">
               <a:rPr lang="en-US" smtClean="0"/>
-              <a:t>9/24/2025</a:t>
+              <a:t>9/25/2025</a:t>
             </a:fld>
             <a:endParaRPr lang="en-US"/>
           </a:p>
@@ -2062,7 +2070,7 @@
           <a:p>
             <a:fld id="{48DEDEE2-3344-4BDE-BA9B-B6D109E616B1}" type="datetimeFigureOut">
               <a:rPr lang="en-US" smtClean="0"/>
-              <a:t>9/24/2025</a:t>
+              <a:t>9/25/2025</a:t>
             </a:fld>
             <a:endParaRPr lang="en-US"/>
           </a:p>
@@ -2455,7 +2463,7 @@
           <a:p>
             <a:fld id="{48DEDEE2-3344-4BDE-BA9B-B6D109E616B1}" type="datetimeFigureOut">
               <a:rPr lang="en-US" smtClean="0"/>
-              <a:t>9/24/2025</a:t>
+              <a:t>9/25/2025</a:t>
             </a:fld>
             <a:endParaRPr lang="en-US"/>
           </a:p>
@@ -2625,7 +2633,7 @@
           <a:p>
             <a:fld id="{48DEDEE2-3344-4BDE-BA9B-B6D109E616B1}" type="datetimeFigureOut">
               <a:rPr lang="en-US" smtClean="0"/>
-              <a:t>9/24/2025</a:t>
+              <a:t>9/25/2025</a:t>
             </a:fld>
             <a:endParaRPr lang="en-US"/>
           </a:p>
@@ -2805,7 +2813,7 @@
           <a:p>
             <a:fld id="{48DEDEE2-3344-4BDE-BA9B-B6D109E616B1}" type="datetimeFigureOut">
               <a:rPr lang="en-US" smtClean="0"/>
-              <a:t>9/24/2025</a:t>
+              <a:t>9/25/2025</a:t>
             </a:fld>
             <a:endParaRPr lang="en-US"/>
           </a:p>
@@ -2981,7 +2989,7 @@
           <a:p>
             <a:fld id="{48DEDEE2-3344-4BDE-BA9B-B6D109E616B1}" type="datetimeFigureOut">
               <a:rPr lang="en-US" smtClean="0"/>
-              <a:t>9/24/2025</a:t>
+              <a:t>9/25/2025</a:t>
             </a:fld>
             <a:endParaRPr lang="en-US"/>
           </a:p>
@@ -3228,7 +3236,7 @@
           <a:p>
             <a:fld id="{48DEDEE2-3344-4BDE-BA9B-B6D109E616B1}" type="datetimeFigureOut">
               <a:rPr lang="en-US" smtClean="0"/>
-              <a:t>9/24/2025</a:t>
+              <a:t>9/25/2025</a:t>
             </a:fld>
             <a:endParaRPr lang="en-US"/>
           </a:p>
@@ -3460,7 +3468,7 @@
           <a:p>
             <a:fld id="{48DEDEE2-3344-4BDE-BA9B-B6D109E616B1}" type="datetimeFigureOut">
               <a:rPr lang="en-US" smtClean="0"/>
-              <a:t>9/24/2025</a:t>
+              <a:t>9/25/2025</a:t>
             </a:fld>
             <a:endParaRPr lang="en-US"/>
           </a:p>
@@ -3834,7 +3842,7 @@
           <a:p>
             <a:fld id="{48DEDEE2-3344-4BDE-BA9B-B6D109E616B1}" type="datetimeFigureOut">
               <a:rPr lang="en-US" smtClean="0"/>
-              <a:t>9/24/2025</a:t>
+              <a:t>9/25/2025</a:t>
             </a:fld>
             <a:endParaRPr lang="en-US"/>
           </a:p>
@@ -3957,7 +3965,7 @@
           <a:p>
             <a:fld id="{48DEDEE2-3344-4BDE-BA9B-B6D109E616B1}" type="datetimeFigureOut">
               <a:rPr lang="en-US" smtClean="0"/>
-              <a:t>9/24/2025</a:t>
+              <a:t>9/25/2025</a:t>
             </a:fld>
             <a:endParaRPr lang="en-US"/>
           </a:p>
@@ -4052,7 +4060,7 @@
           <a:p>
             <a:fld id="{48DEDEE2-3344-4BDE-BA9B-B6D109E616B1}" type="datetimeFigureOut">
               <a:rPr lang="en-US" smtClean="0"/>
-              <a:t>9/24/2025</a:t>
+              <a:t>9/25/2025</a:t>
             </a:fld>
             <a:endParaRPr lang="en-US"/>
           </a:p>
@@ -4307,7 +4315,7 @@
           <a:p>
             <a:fld id="{48DEDEE2-3344-4BDE-BA9B-B6D109E616B1}" type="datetimeFigureOut">
               <a:rPr lang="en-US" smtClean="0"/>
-              <a:t>9/24/2025</a:t>
+              <a:t>9/25/2025</a:t>
             </a:fld>
             <a:endParaRPr lang="en-US"/>
           </a:p>
@@ -4570,7 +4578,7 @@
           <a:p>
             <a:fld id="{48DEDEE2-3344-4BDE-BA9B-B6D109E616B1}" type="datetimeFigureOut">
               <a:rPr lang="en-US" smtClean="0"/>
-              <a:t>9/24/2025</a:t>
+              <a:t>9/25/2025</a:t>
             </a:fld>
             <a:endParaRPr lang="en-US"/>
           </a:p>
@@ -5313,7 +5321,7 @@
           <a:p>
             <a:fld id="{48DEDEE2-3344-4BDE-BA9B-B6D109E616B1}" type="datetimeFigureOut">
               <a:rPr lang="en-US" smtClean="0"/>
-              <a:t>9/24/2025</a:t>
+              <a:t>9/25/2025</a:t>
             </a:fld>
             <a:endParaRPr lang="en-US"/>
           </a:p>
@@ -5943,7 +5951,7 @@
           <p:cNvPr id="2" name="Title 1">
             <a:extLst>
               <a:ext uri="{FF2B5EF4-FFF2-40B4-BE49-F238E27FC236}">
-                <a16:creationId xmlns:a16="http://schemas.microsoft.com/office/drawing/2014/main" id="{EB2331EC-41B4-3B35-5AEB-53E686E22BD4}"/>
+                <a16:creationId xmlns:a16="http://schemas.microsoft.com/office/drawing/2014/main" id="{AEA23F2B-BD03-6DEC-C3C6-91FD0E7E89FE}"/>
               </a:ext>
             </a:extLst>
           </p:cNvPr>
@@ -5961,7 +5969,7 @@
           <a:p>
             <a:r>
               <a:rPr lang="en-US" b="1" dirty="0"/>
-              <a:t>Fixed-Point Arithmetic Examples</a:t>
+              <a:t>Fixed-Point Representation</a:t>
             </a:r>
           </a:p>
         </p:txBody>
@@ -5971,7 +5979,7 @@
           <p:cNvPr id="3" name="Content Placeholder 2">
             <a:extLst>
               <a:ext uri="{FF2B5EF4-FFF2-40B4-BE49-F238E27FC236}">
-                <a16:creationId xmlns:a16="http://schemas.microsoft.com/office/drawing/2014/main" id="{466CF797-4FAA-0C1D-D3FB-CED1464296C1}"/>
+                <a16:creationId xmlns:a16="http://schemas.microsoft.com/office/drawing/2014/main" id="{F99C5C7B-6343-152D-4B91-87D8C3092449}"/>
               </a:ext>
             </a:extLst>
           </p:cNvPr>
@@ -5985,53 +5993,96 @@
         <p:spPr/>
         <p:txBody>
           <a:bodyPr>
-            <a:normAutofit fontScale="92500" lnSpcReduction="10000"/>
+            <a:normAutofit fontScale="77500" lnSpcReduction="20000"/>
           </a:bodyPr>
           <a:lstStyle/>
           <a:p>
             <a:r>
+              <a:rPr lang="en-GB" sz="3600" dirty="0"/>
+              <a:t>Represented as </a:t>
+            </a:r>
+            <a:r>
               <a:rPr lang="en-GB" sz="3600" b="1" dirty="0"/>
-              <a:t>Addition/Subtraction</a:t>
-            </a:r>
+              <a:t>integers scaled by a factor</a:t>
+            </a:r>
+          </a:p>
+          <a:p>
+            <a:r>
+              <a:rPr lang="en-US" sz="3600" dirty="0"/>
+              <a:t>General format: </a:t>
+            </a:r>
+            <a:r>
+              <a:rPr lang="en-US" sz="3600" b="1" dirty="0"/>
+              <a:t>Q1.m.n</a:t>
+            </a:r>
+          </a:p>
+          <a:p>
+            <a:pPr lvl="1"/>
+            <a:r>
+              <a:rPr lang="sv-SE" sz="3600" dirty="0"/>
+              <a:t>1 sign bit</a:t>
+            </a:r>
+          </a:p>
+          <a:p>
+            <a:pPr lvl="1"/>
+            <a:r>
+              <a:rPr lang="sv-SE" sz="3600" dirty="0"/>
+              <a:t>m = Range bits</a:t>
+            </a:r>
+          </a:p>
+          <a:p>
+            <a:pPr lvl="1"/>
+            <a:r>
+              <a:rPr lang="en-US" sz="3600" dirty="0"/>
+              <a:t>n = fractional bits</a:t>
+            </a:r>
+          </a:p>
+          <a:p>
             <a:r>
               <a:rPr lang="en-GB" sz="3600" dirty="0"/>
-              <a:t> → straightforward, same Q format</a:t>
+              <a:t>Example: Q1.0.15 (16-bit signed fixed-point)</a:t>
             </a:r>
           </a:p>
           <a:p>
             <a:pPr lvl="1"/>
             <a:r>
               <a:rPr lang="en-GB" sz="3600" dirty="0"/>
-              <a:t>How to add Q1.2.13 and Q1.3.12??</a:t>
+              <a:t>Range: –2</a:t>
+            </a:r>
+            <a:r>
+              <a:rPr lang="en-GB" sz="3600" baseline="30000" dirty="0"/>
+              <a:t>0</a:t>
+            </a:r>
+            <a:r>
+              <a:rPr lang="en-GB" sz="3600" dirty="0"/>
+              <a:t> to (2</a:t>
+            </a:r>
+            <a:r>
+              <a:rPr lang="en-GB" sz="3600" baseline="30000" dirty="0"/>
+              <a:t>0</a:t>
+            </a:r>
+            <a:r>
+              <a:rPr lang="en-GB" sz="3600" dirty="0"/>
+              <a:t> – 2⁻¹⁵) = -1.0 to 1 - 2⁻¹⁵</a:t>
+            </a:r>
+          </a:p>
+          <a:p>
+            <a:pPr lvl="1"/>
+            <a:r>
+              <a:rPr lang="en-GB" sz="3600" dirty="0"/>
+              <a:t>Stored as 16-bit signed integer  </a:t>
             </a:r>
             <a:endParaRPr lang="en-US" sz="3600" dirty="0"/>
           </a:p>
           <a:p>
-            <a:r>
-              <a:rPr lang="en-GB" sz="3600" b="1" dirty="0"/>
-              <a:t>Multiplication</a:t>
-            </a:r>
-            <a:r>
-              <a:rPr lang="en-GB" sz="3600" dirty="0"/>
-              <a:t> → Q1.m.n × Q1.m.n = Q2.2m.2n → need to re-scale</a:t>
-            </a:r>
-          </a:p>
-          <a:p>
-            <a:r>
-              <a:rPr lang="en-GB" sz="3600" b="1" dirty="0"/>
-              <a:t>Division</a:t>
-            </a:r>
-            <a:r>
-              <a:rPr lang="en-GB" sz="3600" dirty="0"/>
-              <a:t> → expensive, often replaced with reciprocal + multiply</a:t>
-            </a:r>
+            <a:endParaRPr lang="en-US" dirty="0"/>
           </a:p>
         </p:txBody>
       </p:sp>
     </p:spTree>
     <p:extLst>
       <p:ext uri="{BB962C8B-B14F-4D97-AF65-F5344CB8AC3E}">
-        <p14:creationId xmlns:p14="http://schemas.microsoft.com/office/powerpoint/2010/main" val="1682755043"/>
+        <p14:creationId xmlns:p14="http://schemas.microsoft.com/office/powerpoint/2010/main" val="3564446729"/>
       </p:ext>
     </p:extLst>
   </p:cSld>
@@ -6063,7 +6114,7 @@
           <p:cNvPr id="2" name="Title 1">
             <a:extLst>
               <a:ext uri="{FF2B5EF4-FFF2-40B4-BE49-F238E27FC236}">
-                <a16:creationId xmlns:a16="http://schemas.microsoft.com/office/drawing/2014/main" id="{929BB22F-AC19-6F02-500D-DA403EEBFD03}"/>
+                <a16:creationId xmlns:a16="http://schemas.microsoft.com/office/drawing/2014/main" id="{B9435FF9-73AC-E09B-14D8-1F9748DB44E7}"/>
               </a:ext>
             </a:extLst>
           </p:cNvPr>
@@ -6081,78 +6132,280 @@
           <a:p>
             <a:r>
               <a:rPr lang="en-US" b="1" dirty="0"/>
-              <a:t>Practical Example</a:t>
-            </a:r>
-          </a:p>
-        </p:txBody>
-      </p:sp>
-      <p:sp>
-        <p:nvSpPr>
-          <p:cNvPr id="3" name="Content Placeholder 2">
-            <a:extLst>
-              <a:ext uri="{FF2B5EF4-FFF2-40B4-BE49-F238E27FC236}">
-                <a16:creationId xmlns:a16="http://schemas.microsoft.com/office/drawing/2014/main" id="{94DE85F8-9C13-C08C-A5A7-1C848CC3A45D}"/>
-              </a:ext>
-            </a:extLst>
-          </p:cNvPr>
-          <p:cNvSpPr>
-            <a:spLocks noGrp="1"/>
-          </p:cNvSpPr>
-          <p:nvPr>
-            <p:ph idx="1"/>
-          </p:nvPr>
-        </p:nvSpPr>
-        <p:spPr/>
-        <p:txBody>
-          <a:bodyPr>
-            <a:normAutofit fontScale="85000" lnSpcReduction="20000"/>
-          </a:bodyPr>
-          <a:lstStyle/>
-          <a:p>
-            <a:r>
-              <a:rPr lang="en-US" sz="3600" dirty="0"/>
-              <a:t>Total FIR Filter Coefficients is 27</a:t>
-            </a:r>
-          </a:p>
-          <a:p>
-            <a:r>
-              <a:rPr lang="en-US" sz="3600" dirty="0"/>
-              <a:t>Coefficients : max 2.786655772180386</a:t>
-            </a:r>
-          </a:p>
-          <a:p>
-            <a:r>
-              <a:rPr lang="en-US" sz="3600" dirty="0"/>
-              <a:t>Coefficients : min -2.9153372837924336</a:t>
-            </a:r>
-          </a:p>
-          <a:p>
-            <a:r>
-              <a:rPr lang="en-US" sz="3600" dirty="0"/>
-              <a:t>All Coefficients absolute sum: 23.597984136187275</a:t>
-            </a:r>
-          </a:p>
-          <a:p>
-            <a:pPr marL="0" indent="0">
-              <a:buNone/>
-            </a:pPr>
-            <a:endParaRPr lang="en-US" sz="3600" dirty="0"/>
-          </a:p>
-          <a:p>
-            <a:pPr marL="0" indent="0">
-              <a:buNone/>
-            </a:pPr>
-            <a:r>
-              <a:rPr lang="en-US" sz="3600" b="1" dirty="0"/>
-              <a:t>How will you decide Q format for Coefficients??</a:t>
-            </a:r>
-          </a:p>
-        </p:txBody>
-      </p:sp>
+              <a:t>Float-to-Fixed Conversion</a:t>
+            </a:r>
+          </a:p>
+        </p:txBody>
+      </p:sp>
+      <mc:AlternateContent xmlns:mc="http://schemas.openxmlformats.org/markup-compatibility/2006" xmlns:a14="http://schemas.microsoft.com/office/drawing/2010/main">
+        <mc:Choice Requires="a14">
+          <p:sp>
+            <p:nvSpPr>
+              <p:cNvPr id="3" name="Content Placeholder 2">
+                <a:extLst>
+                  <a:ext uri="{FF2B5EF4-FFF2-40B4-BE49-F238E27FC236}">
+                    <a16:creationId xmlns:a16="http://schemas.microsoft.com/office/drawing/2014/main" id="{03D98C05-1156-4305-5030-A2A4A8C65873}"/>
+                  </a:ext>
+                </a:extLst>
+              </p:cNvPr>
+              <p:cNvSpPr>
+                <a:spLocks noGrp="1"/>
+              </p:cNvSpPr>
+              <p:nvPr>
+                <p:ph idx="1"/>
+              </p:nvPr>
+            </p:nvSpPr>
+            <p:spPr>
+              <a:xfrm>
+                <a:off x="766981" y="1270000"/>
+                <a:ext cx="8596668" cy="3880773"/>
+              </a:xfrm>
+            </p:spPr>
+            <p:txBody>
+              <a:bodyPr>
+                <a:noAutofit/>
+              </a:bodyPr>
+              <a:lstStyle/>
+              <a:p>
+                <a:r>
+                  <a:rPr lang="en-US" sz="3600" dirty="0"/>
+                  <a:t>Formula:Q1.m.n</a:t>
+                </a:r>
+              </a:p>
+              <a:p>
+                <a:pPr marL="0" indent="0">
+                  <a:buNone/>
+                </a:pPr>
+                <a14:m>
+                  <m:oMathPara xmlns:m="http://schemas.openxmlformats.org/officeDocument/2006/math">
+                    <m:oMathParaPr>
+                      <m:jc m:val="centerGroup"/>
+                    </m:oMathParaPr>
+                    <m:oMath xmlns:m="http://schemas.openxmlformats.org/officeDocument/2006/math">
+                      <m:r>
+                        <m:rPr>
+                          <m:nor/>
+                        </m:rPr>
+                        <a:rPr lang="en-US" sz="3600" b="0"/>
+                        <m:t>Fixe</m:t>
+                      </m:r>
+                      <m:r>
+                        <m:rPr>
+                          <m:sty m:val="p"/>
+                        </m:rPr>
+                        <a:rPr lang="en-GB" sz="3600" b="0" i="0" smtClean="0">
+                          <a:latin typeface="Cambria Math" panose="02040503050406030204" pitchFamily="18" charset="0"/>
+                        </a:rPr>
+                        <m:t>dpt</m:t>
+                      </m:r>
+                      <m:r>
+                        <a:rPr lang="en-GB" sz="3600" b="0" i="0" smtClean="0">
+                          <a:latin typeface="Cambria Math" panose="02040503050406030204" pitchFamily="18" charset="0"/>
+                        </a:rPr>
+                        <m:t>_</m:t>
+                      </m:r>
+                      <m:r>
+                        <m:rPr>
+                          <m:sty m:val="p"/>
+                        </m:rPr>
+                        <a:rPr lang="en-GB" sz="3600" b="0" i="0" smtClean="0">
+                          <a:latin typeface="Cambria Math" panose="02040503050406030204" pitchFamily="18" charset="0"/>
+                        </a:rPr>
+                        <m:t>value</m:t>
+                      </m:r>
+                      <m:r>
+                        <a:rPr lang="en-US" sz="3600">
+                          <a:latin typeface="Cambria Math" panose="02040503050406030204" pitchFamily="18" charset="0"/>
+                        </a:rPr>
+                        <m:t>=</m:t>
+                      </m:r>
+                      <m:r>
+                        <m:rPr>
+                          <m:nor/>
+                        </m:rPr>
+                        <a:rPr lang="en-US" sz="3600" i="1"/>
+                        <m:t>round</m:t>
+                      </m:r>
+                      <m:d>
+                        <m:dPr>
+                          <m:ctrlPr>
+                            <a:rPr lang="ar-AE" sz="3600" i="1">
+                              <a:latin typeface="Cambria Math" panose="02040503050406030204" pitchFamily="18" charset="0"/>
+                            </a:rPr>
+                          </m:ctrlPr>
+                        </m:dPr>
+                        <m:e>
+                          <m:r>
+                            <m:rPr>
+                              <m:nor/>
+                            </m:rPr>
+                            <a:rPr lang="en-US" sz="3600" i="1"/>
+                            <m:t>Float</m:t>
+                          </m:r>
+                          <m:r>
+                            <m:rPr>
+                              <m:nor/>
+                            </m:rPr>
+                            <a:rPr lang="en-GB" sz="3600" b="0" i="1" smtClean="0"/>
+                            <m:t>ingpt</m:t>
+                          </m:r>
+                          <m:r>
+                            <m:rPr>
+                              <m:nor/>
+                            </m:rPr>
+                            <a:rPr lang="en-GB" sz="3600" b="0" i="1" smtClean="0"/>
+                            <m:t>_</m:t>
+                          </m:r>
+                          <m:r>
+                            <m:rPr>
+                              <m:nor/>
+                            </m:rPr>
+                            <a:rPr lang="en-GB" sz="3600" b="0" i="1" smtClean="0"/>
+                            <m:t>value</m:t>
+                          </m:r>
+                          <m:r>
+                            <a:rPr lang="en-US" sz="3600">
+                              <a:latin typeface="Cambria Math" panose="02040503050406030204" pitchFamily="18" charset="0"/>
+                            </a:rPr>
+                            <m:t>×</m:t>
+                          </m:r>
+                          <m:sSup>
+                            <m:sSupPr>
+                              <m:ctrlPr>
+                                <a:rPr lang="ar-AE" sz="3600" i="1">
+                                  <a:latin typeface="Cambria Math" panose="02040503050406030204" pitchFamily="18" charset="0"/>
+                                </a:rPr>
+                              </m:ctrlPr>
+                            </m:sSupPr>
+                            <m:e>
+                              <m:r>
+                                <a:rPr lang="ar-AE" sz="3600">
+                                  <a:latin typeface="Cambria Math" panose="02040503050406030204" pitchFamily="18" charset="0"/>
+                                </a:rPr>
+                                <m:t>2</m:t>
+                              </m:r>
+                            </m:e>
+                            <m:sup>
+                              <m:r>
+                                <a:rPr lang="ar-AE" sz="3600" i="1">
+                                  <a:latin typeface="Cambria Math" panose="02040503050406030204" pitchFamily="18" charset="0"/>
+                                </a:rPr>
+                                <m:t>𝑛</m:t>
+                              </m:r>
+                            </m:sup>
+                          </m:sSup>
+                        </m:e>
+                      </m:d>
+                    </m:oMath>
+                  </m:oMathPara>
+                </a14:m>
+                <a:endParaRPr lang="ar-AE" sz="3600" b="0" dirty="0"/>
+              </a:p>
+              <a:p>
+                <a:pPr marL="0" indent="0">
+                  <a:buNone/>
+                </a:pPr>
+                <a:r>
+                  <a:rPr lang="en-US" sz="3600" dirty="0"/>
+                  <a:t>   where </a:t>
+                </a:r>
+                <a:r>
+                  <a:rPr lang="en-US" sz="3600" i="1" dirty="0"/>
+                  <a:t>n</a:t>
+                </a:r>
+                <a:r>
+                  <a:rPr lang="en-US" sz="3600" dirty="0"/>
+                  <a:t> = number of fractional bits</a:t>
+                </a:r>
+              </a:p>
+              <a:p>
+                <a:r>
+                  <a:rPr lang="en-US" sz="3600" dirty="0"/>
+                  <a:t>Example:</a:t>
+                </a:r>
+              </a:p>
+              <a:p>
+                <a:pPr lvl="1"/>
+                <a:r>
+                  <a:rPr lang="en-GB" sz="3600" dirty="0"/>
+                  <a:t>Float = 0.4768, Q1.0.15 → round(0.4768 × 2</a:t>
+                </a:r>
+                <a:r>
+                  <a:rPr lang="en-GB" sz="3600" baseline="30000" dirty="0"/>
+                  <a:t>15</a:t>
+                </a:r>
+                <a:r>
+                  <a:rPr lang="en-GB" sz="3600" dirty="0"/>
+                  <a:t>) = 15628</a:t>
+                </a:r>
+              </a:p>
+              <a:p>
+                <a:pPr lvl="1"/>
+                <a:r>
+                  <a:rPr lang="en-GB" sz="3600" dirty="0"/>
+                  <a:t>Float = –0.5792, Q1.0.15 → round(- 0.5792 × 2</a:t>
+                </a:r>
+                <a:r>
+                  <a:rPr lang="en-GB" sz="3600" baseline="30000" dirty="0"/>
+                  <a:t>15</a:t>
+                </a:r>
+                <a:r>
+                  <a:rPr lang="en-GB" sz="3600" dirty="0"/>
+                  <a:t>) = –18979</a:t>
+                </a:r>
+                <a:endParaRPr lang="en-US" sz="3600" dirty="0"/>
+              </a:p>
+            </p:txBody>
+          </p:sp>
+        </mc:Choice>
+        <mc:Fallback xmlns="">
+          <p:sp>
+            <p:nvSpPr>
+              <p:cNvPr id="3" name="Content Placeholder 2">
+                <a:extLst>
+                  <a:ext uri="{FF2B5EF4-FFF2-40B4-BE49-F238E27FC236}">
+                    <a16:creationId xmlns:a16="http://schemas.microsoft.com/office/drawing/2014/main" id="{03D98C05-1156-4305-5030-A2A4A8C65873}"/>
+                  </a:ext>
+                </a:extLst>
+              </p:cNvPr>
+              <p:cNvSpPr>
+                <a:spLocks noGrp="1" noRot="1" noChangeAspect="1" noMove="1" noResize="1" noEditPoints="1" noAdjustHandles="1" noChangeArrowheads="1" noChangeShapeType="1" noTextEdit="1"/>
+              </p:cNvSpPr>
+              <p:nvPr>
+                <p:ph idx="1"/>
+              </p:nvPr>
+            </p:nvSpPr>
+            <p:spPr>
+              <a:xfrm>
+                <a:off x="766981" y="1270000"/>
+                <a:ext cx="8596668" cy="3880773"/>
+              </a:xfrm>
+              <a:blipFill>
+                <a:blip r:embed="rId2"/>
+                <a:stretch>
+                  <a:fillRect l="-1418" t="-2198" b="-48352"/>
+                </a:stretch>
+              </a:blipFill>
+            </p:spPr>
+            <p:txBody>
+              <a:bodyPr/>
+              <a:lstStyle/>
+              <a:p>
+                <a:r>
+                  <a:rPr lang="en-US">
+                    <a:noFill/>
+                  </a:rPr>
+                  <a:t> </a:t>
+                </a:r>
+              </a:p>
+            </p:txBody>
+          </p:sp>
+        </mc:Fallback>
+      </mc:AlternateContent>
     </p:spTree>
     <p:extLst>
       <p:ext uri="{BB962C8B-B14F-4D97-AF65-F5344CB8AC3E}">
-        <p14:creationId xmlns:p14="http://schemas.microsoft.com/office/powerpoint/2010/main" val="1067409693"/>
+        <p14:creationId xmlns:p14="http://schemas.microsoft.com/office/powerpoint/2010/main" val="137103175"/>
       </p:ext>
     </p:extLst>
   </p:cSld>
@@ -6184,7 +6437,7 @@
           <p:cNvPr id="2" name="Title 1">
             <a:extLst>
               <a:ext uri="{FF2B5EF4-FFF2-40B4-BE49-F238E27FC236}">
-                <a16:creationId xmlns:a16="http://schemas.microsoft.com/office/drawing/2014/main" id="{53E1583B-2044-5A21-CF76-6900BCE4CBBD}"/>
+                <a16:creationId xmlns:a16="http://schemas.microsoft.com/office/drawing/2014/main" id="{C8984C74-B02E-CDC0-9A20-91459C53DD19}"/>
               </a:ext>
             </a:extLst>
           </p:cNvPr>
@@ -6202,7 +6455,7 @@
           <a:p>
             <a:r>
               <a:rPr lang="en-US" b="1" dirty="0"/>
-              <a:t>Verification</a:t>
+              <a:t>Precision vs. Range Trade-off</a:t>
             </a:r>
           </a:p>
         </p:txBody>
@@ -6212,7 +6465,7 @@
           <p:cNvPr id="3" name="Content Placeholder 2">
             <a:extLst>
               <a:ext uri="{FF2B5EF4-FFF2-40B4-BE49-F238E27FC236}">
-                <a16:creationId xmlns:a16="http://schemas.microsoft.com/office/drawing/2014/main" id="{E6598EFC-CB04-9FEF-B042-E9BC28D005E1}"/>
+                <a16:creationId xmlns:a16="http://schemas.microsoft.com/office/drawing/2014/main" id="{E98EEE50-3454-EA0A-9C99-101D8849FB4D}"/>
               </a:ext>
             </a:extLst>
           </p:cNvPr>
@@ -6226,25 +6479,88 @@
         <p:spPr/>
         <p:txBody>
           <a:bodyPr>
-            <a:normAutofit/>
+            <a:normAutofit fontScale="77500" lnSpcReduction="20000"/>
           </a:bodyPr>
           <a:lstStyle/>
           <a:p>
             <a:r>
               <a:rPr lang="en-GB" sz="3600" dirty="0"/>
-              <a:t>Compare float vs fixed-point FIR outputs</a:t>
-            </a:r>
-          </a:p>
-          <a:p>
+              <a:t>More fractional bits → higher precision, smaller range</a:t>
+            </a:r>
+          </a:p>
+          <a:p>
+            <a:pPr lvl="1"/>
             <a:r>
               <a:rPr lang="en-GB" sz="3600" dirty="0"/>
-              <a:t>Metrics: RMSE, PESQ score for speech signals</a:t>
+              <a:t>Q1.2.13 --&gt; range is 2</a:t>
+            </a:r>
+            <a:r>
+              <a:rPr lang="en-GB" sz="3600" baseline="30000" dirty="0"/>
+              <a:t>2</a:t>
+            </a:r>
+            <a:r>
+              <a:rPr lang="en-GB" sz="3600" dirty="0"/>
+              <a:t> --&gt;</a:t>
+            </a:r>
+            <a:r>
+              <a:rPr lang="en-GB" sz="3600" baseline="30000" dirty="0"/>
+              <a:t> </a:t>
+            </a:r>
+            <a:r>
+              <a:rPr lang="en-GB" sz="3600" dirty="0"/>
+              <a:t> -4 to 4 – 2</a:t>
+            </a:r>
+            <a:r>
+              <a:rPr lang="en-GB" sz="3600" baseline="30000" dirty="0"/>
+              <a:t>-13</a:t>
+            </a:r>
+            <a:r>
+              <a:rPr lang="en-GB" sz="3600" dirty="0"/>
+              <a:t> (0.0001220703125)</a:t>
+            </a:r>
+            <a:endParaRPr lang="en-GB" sz="3600" baseline="30000" dirty="0"/>
+          </a:p>
+          <a:p>
+            <a:pPr lvl="1"/>
+            <a:r>
+              <a:rPr lang="en-GB" sz="3600" dirty="0"/>
+              <a:t>Q1.2.29 --&gt; range is 2</a:t>
+            </a:r>
+            <a:r>
+              <a:rPr lang="en-GB" sz="3600" baseline="30000" dirty="0"/>
+              <a:t>2</a:t>
+            </a:r>
+            <a:r>
+              <a:rPr lang="en-GB" sz="3600" dirty="0"/>
+              <a:t> --&gt;</a:t>
+            </a:r>
+            <a:r>
+              <a:rPr lang="en-GB" sz="3600" baseline="30000" dirty="0"/>
+              <a:t> </a:t>
+            </a:r>
+            <a:r>
+              <a:rPr lang="en-GB" sz="3600" dirty="0"/>
+              <a:t> -4 to 4 – 2</a:t>
+            </a:r>
+            <a:r>
+              <a:rPr lang="en-GB" sz="3600" baseline="30000" dirty="0"/>
+              <a:t>-29 </a:t>
+            </a:r>
+            <a:r>
+              <a:rPr lang="en-GB" sz="3600" dirty="0"/>
+              <a:t> (0.00000000186264514923095703125)</a:t>
+            </a:r>
+          </a:p>
+          <a:p>
+            <a:r>
+              <a:rPr lang="en-GB" sz="3600" dirty="0"/>
+              <a:t>More integer bits → larger range, lower precision</a:t>
             </a:r>
           </a:p>
           <a:p>
             <a:r>
               <a:rPr lang="en-US" sz="3600" dirty="0"/>
-              <a:t>PESQ score → indicates perceptual quality difference</a:t>
+              <a:t>Balance depends on algorithm</a:t>
             </a:r>
           </a:p>
         </p:txBody>
@@ -6252,7 +6568,7 @@
     </p:spTree>
     <p:extLst>
       <p:ext uri="{BB962C8B-B14F-4D97-AF65-F5344CB8AC3E}">
-        <p14:creationId xmlns:p14="http://schemas.microsoft.com/office/powerpoint/2010/main" val="4021078348"/>
+        <p14:creationId xmlns:p14="http://schemas.microsoft.com/office/powerpoint/2010/main" val="2977640135"/>
       </p:ext>
     </p:extLst>
   </p:cSld>
@@ -6284,6 +6600,352 @@
           <p:cNvPr id="2" name="Title 1">
             <a:extLst>
               <a:ext uri="{FF2B5EF4-FFF2-40B4-BE49-F238E27FC236}">
+                <a16:creationId xmlns:a16="http://schemas.microsoft.com/office/drawing/2014/main" id="{EB2331EC-41B4-3B35-5AEB-53E686E22BD4}"/>
+              </a:ext>
+            </a:extLst>
+          </p:cNvPr>
+          <p:cNvSpPr>
+            <a:spLocks noGrp="1"/>
+          </p:cNvSpPr>
+          <p:nvPr>
+            <p:ph type="title"/>
+          </p:nvPr>
+        </p:nvSpPr>
+        <p:spPr/>
+        <p:txBody>
+          <a:bodyPr/>
+          <a:lstStyle/>
+          <a:p>
+            <a:r>
+              <a:rPr lang="en-US" b="1" dirty="0"/>
+              <a:t>Fixed-Point Arithmetic Examples</a:t>
+            </a:r>
+          </a:p>
+        </p:txBody>
+      </p:sp>
+      <p:sp>
+        <p:nvSpPr>
+          <p:cNvPr id="3" name="Content Placeholder 2">
+            <a:extLst>
+              <a:ext uri="{FF2B5EF4-FFF2-40B4-BE49-F238E27FC236}">
+                <a16:creationId xmlns:a16="http://schemas.microsoft.com/office/drawing/2014/main" id="{466CF797-4FAA-0C1D-D3FB-CED1464296C1}"/>
+              </a:ext>
+            </a:extLst>
+          </p:cNvPr>
+          <p:cNvSpPr>
+            <a:spLocks noGrp="1"/>
+          </p:cNvSpPr>
+          <p:nvPr>
+            <p:ph idx="1"/>
+          </p:nvPr>
+        </p:nvSpPr>
+        <p:spPr/>
+        <p:txBody>
+          <a:bodyPr>
+            <a:normAutofit fontScale="92500" lnSpcReduction="10000"/>
+          </a:bodyPr>
+          <a:lstStyle/>
+          <a:p>
+            <a:r>
+              <a:rPr lang="en-GB" sz="3600" b="1" dirty="0"/>
+              <a:t>Addition/Subtraction</a:t>
+            </a:r>
+            <a:r>
+              <a:rPr lang="en-GB" sz="3600" dirty="0"/>
+              <a:t> → straightforward, same Q format</a:t>
+            </a:r>
+          </a:p>
+          <a:p>
+            <a:pPr lvl="1"/>
+            <a:r>
+              <a:rPr lang="en-GB" sz="3600" dirty="0"/>
+              <a:t>How to add Q1.2.13 and Q1.3.12??</a:t>
+            </a:r>
+            <a:endParaRPr lang="en-US" sz="3600" dirty="0"/>
+          </a:p>
+          <a:p>
+            <a:r>
+              <a:rPr lang="en-GB" sz="3600" b="1" dirty="0"/>
+              <a:t>Multiplication</a:t>
+            </a:r>
+            <a:r>
+              <a:rPr lang="en-GB" sz="3600" dirty="0"/>
+              <a:t> → Q1.m.n × Q1.m.n = Q2.2m.2n → need to re-scale</a:t>
+            </a:r>
+          </a:p>
+          <a:p>
+            <a:r>
+              <a:rPr lang="en-GB" sz="3600" b="1" dirty="0"/>
+              <a:t>Division</a:t>
+            </a:r>
+            <a:r>
+              <a:rPr lang="en-GB" sz="3600" dirty="0"/>
+              <a:t> → expensive, often replaced with reciprocal + multiply</a:t>
+            </a:r>
+          </a:p>
+        </p:txBody>
+      </p:sp>
+    </p:spTree>
+    <p:extLst>
+      <p:ext uri="{BB962C8B-B14F-4D97-AF65-F5344CB8AC3E}">
+        <p14:creationId xmlns:p14="http://schemas.microsoft.com/office/powerpoint/2010/main" val="1682755043"/>
+      </p:ext>
+    </p:extLst>
+  </p:cSld>
+  <p:clrMapOvr>
+    <a:masterClrMapping/>
+  </p:clrMapOvr>
+</p:sld>
+</file>
+
+<file path=ppt/slides/slide14.xml><?xml version="1.0" encoding="utf-8"?>
+<p:sld xmlns:a="http://schemas.openxmlformats.org/drawingml/2006/main" xmlns:r="http://schemas.openxmlformats.org/officeDocument/2006/relationships" xmlns:p="http://schemas.openxmlformats.org/presentationml/2006/main">
+  <p:cSld>
+    <p:spTree>
+      <p:nvGrpSpPr>
+        <p:cNvPr id="1" name=""/>
+        <p:cNvGrpSpPr/>
+        <p:nvPr/>
+      </p:nvGrpSpPr>
+      <p:grpSpPr>
+        <a:xfrm>
+          <a:off x="0" y="0"/>
+          <a:ext cx="0" cy="0"/>
+          <a:chOff x="0" y="0"/>
+          <a:chExt cx="0" cy="0"/>
+        </a:xfrm>
+      </p:grpSpPr>
+      <p:sp>
+        <p:nvSpPr>
+          <p:cNvPr id="2" name="Title 1">
+            <a:extLst>
+              <a:ext uri="{FF2B5EF4-FFF2-40B4-BE49-F238E27FC236}">
+                <a16:creationId xmlns:a16="http://schemas.microsoft.com/office/drawing/2014/main" id="{929BB22F-AC19-6F02-500D-DA403EEBFD03}"/>
+              </a:ext>
+            </a:extLst>
+          </p:cNvPr>
+          <p:cNvSpPr>
+            <a:spLocks noGrp="1"/>
+          </p:cNvSpPr>
+          <p:nvPr>
+            <p:ph type="title"/>
+          </p:nvPr>
+        </p:nvSpPr>
+        <p:spPr/>
+        <p:txBody>
+          <a:bodyPr/>
+          <a:lstStyle/>
+          <a:p>
+            <a:r>
+              <a:rPr lang="en-US" b="1" dirty="0"/>
+              <a:t>Practical Example</a:t>
+            </a:r>
+          </a:p>
+        </p:txBody>
+      </p:sp>
+      <p:sp>
+        <p:nvSpPr>
+          <p:cNvPr id="3" name="Content Placeholder 2">
+            <a:extLst>
+              <a:ext uri="{FF2B5EF4-FFF2-40B4-BE49-F238E27FC236}">
+                <a16:creationId xmlns:a16="http://schemas.microsoft.com/office/drawing/2014/main" id="{94DE85F8-9C13-C08C-A5A7-1C848CC3A45D}"/>
+              </a:ext>
+            </a:extLst>
+          </p:cNvPr>
+          <p:cNvSpPr>
+            <a:spLocks noGrp="1"/>
+          </p:cNvSpPr>
+          <p:nvPr>
+            <p:ph idx="1"/>
+          </p:nvPr>
+        </p:nvSpPr>
+        <p:spPr/>
+        <p:txBody>
+          <a:bodyPr>
+            <a:normAutofit fontScale="85000" lnSpcReduction="20000"/>
+          </a:bodyPr>
+          <a:lstStyle/>
+          <a:p>
+            <a:r>
+              <a:rPr lang="en-US" sz="3600" dirty="0"/>
+              <a:t>Total FIR Filter Coefficients </a:t>
+            </a:r>
+            <a:r>
+              <a:rPr lang="en-US" sz="3600"/>
+              <a:t>is 13</a:t>
+            </a:r>
+            <a:endParaRPr lang="en-US" sz="3600" dirty="0"/>
+          </a:p>
+          <a:p>
+            <a:r>
+              <a:rPr lang="en-US" sz="3600" dirty="0"/>
+              <a:t>Coefficients : max 2.786655772180386</a:t>
+            </a:r>
+          </a:p>
+          <a:p>
+            <a:r>
+              <a:rPr lang="en-US" sz="3600" dirty="0"/>
+              <a:t>Coefficients : min -2.9153372837924336</a:t>
+            </a:r>
+          </a:p>
+          <a:p>
+            <a:r>
+              <a:rPr lang="en-US" sz="3600" dirty="0"/>
+              <a:t>All Coefficients absolute sum: 23.597984136187275</a:t>
+            </a:r>
+          </a:p>
+          <a:p>
+            <a:pPr marL="0" indent="0">
+              <a:buNone/>
+            </a:pPr>
+            <a:endParaRPr lang="en-US" sz="3600" dirty="0"/>
+          </a:p>
+          <a:p>
+            <a:pPr marL="0" indent="0">
+              <a:buNone/>
+            </a:pPr>
+            <a:r>
+              <a:rPr lang="en-US" sz="3600" b="1" dirty="0"/>
+              <a:t>How will you decide Q format for Coefficients??</a:t>
+            </a:r>
+          </a:p>
+        </p:txBody>
+      </p:sp>
+    </p:spTree>
+    <p:extLst>
+      <p:ext uri="{BB962C8B-B14F-4D97-AF65-F5344CB8AC3E}">
+        <p14:creationId xmlns:p14="http://schemas.microsoft.com/office/powerpoint/2010/main" val="1067409693"/>
+      </p:ext>
+    </p:extLst>
+  </p:cSld>
+  <p:clrMapOvr>
+    <a:masterClrMapping/>
+  </p:clrMapOvr>
+</p:sld>
+</file>
+
+<file path=ppt/slides/slide15.xml><?xml version="1.0" encoding="utf-8"?>
+<p:sld xmlns:a="http://schemas.openxmlformats.org/drawingml/2006/main" xmlns:r="http://schemas.openxmlformats.org/officeDocument/2006/relationships" xmlns:p="http://schemas.openxmlformats.org/presentationml/2006/main">
+  <p:cSld>
+    <p:spTree>
+      <p:nvGrpSpPr>
+        <p:cNvPr id="1" name=""/>
+        <p:cNvGrpSpPr/>
+        <p:nvPr/>
+      </p:nvGrpSpPr>
+      <p:grpSpPr>
+        <a:xfrm>
+          <a:off x="0" y="0"/>
+          <a:ext cx="0" cy="0"/>
+          <a:chOff x="0" y="0"/>
+          <a:chExt cx="0" cy="0"/>
+        </a:xfrm>
+      </p:grpSpPr>
+      <p:sp>
+        <p:nvSpPr>
+          <p:cNvPr id="2" name="Title 1">
+            <a:extLst>
+              <a:ext uri="{FF2B5EF4-FFF2-40B4-BE49-F238E27FC236}">
+                <a16:creationId xmlns:a16="http://schemas.microsoft.com/office/drawing/2014/main" id="{53E1583B-2044-5A21-CF76-6900BCE4CBBD}"/>
+              </a:ext>
+            </a:extLst>
+          </p:cNvPr>
+          <p:cNvSpPr>
+            <a:spLocks noGrp="1"/>
+          </p:cNvSpPr>
+          <p:nvPr>
+            <p:ph type="title"/>
+          </p:nvPr>
+        </p:nvSpPr>
+        <p:spPr/>
+        <p:txBody>
+          <a:bodyPr/>
+          <a:lstStyle/>
+          <a:p>
+            <a:r>
+              <a:rPr lang="en-US" b="1" dirty="0"/>
+              <a:t>Verification</a:t>
+            </a:r>
+          </a:p>
+        </p:txBody>
+      </p:sp>
+      <p:sp>
+        <p:nvSpPr>
+          <p:cNvPr id="3" name="Content Placeholder 2">
+            <a:extLst>
+              <a:ext uri="{FF2B5EF4-FFF2-40B4-BE49-F238E27FC236}">
+                <a16:creationId xmlns:a16="http://schemas.microsoft.com/office/drawing/2014/main" id="{E6598EFC-CB04-9FEF-B042-E9BC28D005E1}"/>
+              </a:ext>
+            </a:extLst>
+          </p:cNvPr>
+          <p:cNvSpPr>
+            <a:spLocks noGrp="1"/>
+          </p:cNvSpPr>
+          <p:nvPr>
+            <p:ph idx="1"/>
+          </p:nvPr>
+        </p:nvSpPr>
+        <p:spPr/>
+        <p:txBody>
+          <a:bodyPr>
+            <a:normAutofit/>
+          </a:bodyPr>
+          <a:lstStyle/>
+          <a:p>
+            <a:r>
+              <a:rPr lang="en-GB" sz="3600" dirty="0"/>
+              <a:t>Compare float vs fixed-point FIR outputs</a:t>
+            </a:r>
+          </a:p>
+          <a:p>
+            <a:r>
+              <a:rPr lang="en-GB" sz="3600" dirty="0"/>
+              <a:t>Metrics: RMSE, PESQ score for speech signals</a:t>
+            </a:r>
+          </a:p>
+          <a:p>
+            <a:r>
+              <a:rPr lang="en-US" sz="3600" dirty="0"/>
+              <a:t>PESQ score → indicates perceptual quality difference</a:t>
+            </a:r>
+          </a:p>
+        </p:txBody>
+      </p:sp>
+    </p:spTree>
+    <p:extLst>
+      <p:ext uri="{BB962C8B-B14F-4D97-AF65-F5344CB8AC3E}">
+        <p14:creationId xmlns:p14="http://schemas.microsoft.com/office/powerpoint/2010/main" val="4021078348"/>
+      </p:ext>
+    </p:extLst>
+  </p:cSld>
+  <p:clrMapOvr>
+    <a:masterClrMapping/>
+  </p:clrMapOvr>
+</p:sld>
+</file>
+
+<file path=ppt/slides/slide16.xml><?xml version="1.0" encoding="utf-8"?>
+<p:sld xmlns:a="http://schemas.openxmlformats.org/drawingml/2006/main" xmlns:r="http://schemas.openxmlformats.org/officeDocument/2006/relationships" xmlns:p="http://schemas.openxmlformats.org/presentationml/2006/main">
+  <p:cSld>
+    <p:spTree>
+      <p:nvGrpSpPr>
+        <p:cNvPr id="1" name=""/>
+        <p:cNvGrpSpPr/>
+        <p:nvPr/>
+      </p:nvGrpSpPr>
+      <p:grpSpPr>
+        <a:xfrm>
+          <a:off x="0" y="0"/>
+          <a:ext cx="0" cy="0"/>
+          <a:chOff x="0" y="0"/>
+          <a:chExt cx="0" cy="0"/>
+        </a:xfrm>
+      </p:grpSpPr>
+      <p:sp>
+        <p:nvSpPr>
+          <p:cNvPr id="2" name="Title 1">
+            <a:extLst>
+              <a:ext uri="{FF2B5EF4-FFF2-40B4-BE49-F238E27FC236}">
                 <a16:creationId xmlns:a16="http://schemas.microsoft.com/office/drawing/2014/main" id="{EB62250E-CE57-8195-2808-2126A3D0E9DD}"/>
               </a:ext>
             </a:extLst>
@@ -6369,7 +7031,7 @@
 </p:sld>
 </file>
 
-<file path=ppt/slides/slide14.xml><?xml version="1.0" encoding="utf-8"?>
+<file path=ppt/slides/slide17.xml><?xml version="1.0" encoding="utf-8"?>
 <p:sld xmlns:a="http://schemas.openxmlformats.org/drawingml/2006/main" xmlns:r="http://schemas.openxmlformats.org/officeDocument/2006/relationships" xmlns:p="http://schemas.openxmlformats.org/presentationml/2006/main">
   <p:cSld>
     <p:spTree>
@@ -6529,8 +7191,8 @@
           </a:p>
         </p:txBody>
       </p:sp>
-      <mc:AlternateContent xmlns:mc="http://schemas.openxmlformats.org/markup-compatibility/2006">
-        <mc:Choice xmlns:a14="http://schemas.microsoft.com/office/drawing/2010/main" Requires="a14">
+      <mc:AlternateContent xmlns:mc="http://schemas.openxmlformats.org/markup-compatibility/2006" xmlns:a14="http://schemas.microsoft.com/office/drawing/2010/main">
+        <mc:Choice Requires="a14">
           <p:sp>
             <p:nvSpPr>
               <p:cNvPr id="3" name="Content Placeholder 2">
@@ -6767,7 +7429,9 @@
                 <a14:m>
                   <m:oMath xmlns:m="http://schemas.openxmlformats.org/officeDocument/2006/math">
                     <m:r>
-                      <a:rPr lang="en-US" sz="11200" i="1"/>
+                      <a:rPr lang="en-US" sz="11200" i="1">
+                        <a:latin typeface="Cambria Math" panose="02040503050406030204" pitchFamily="18" charset="0"/>
+                      </a:rPr>
                       <m:t>h</m:t>
                     </m:r>
                     <m:d>
@@ -6775,12 +7439,16 @@
                         <m:begChr m:val="["/>
                         <m:endChr m:val="]"/>
                         <m:ctrlPr>
-                          <a:rPr lang="ar-AE" sz="11200" i="1"/>
+                          <a:rPr lang="ar-AE" sz="11200" i="1">
+                            <a:latin typeface="Cambria Math" panose="02040503050406030204" pitchFamily="18" charset="0"/>
+                          </a:rPr>
                         </m:ctrlPr>
                       </m:dPr>
                       <m:e>
                         <m:r>
-                          <a:rPr lang="ar-AE" sz="11200" i="1"/>
+                          <a:rPr lang="ar-AE" sz="11200" i="1">
+                            <a:latin typeface="Cambria Math" panose="02040503050406030204" pitchFamily="18" charset="0"/>
+                          </a:rPr>
                           <m:t>𝑘</m:t>
                         </m:r>
                       </m:e>
@@ -6800,7 +7468,9 @@
                 <a14:m>
                   <m:oMath xmlns:m="http://schemas.openxmlformats.org/officeDocument/2006/math">
                     <m:r>
-                      <a:rPr lang="en-US" sz="11200" i="1"/>
+                      <a:rPr lang="en-US" sz="11200" i="1">
+                        <a:latin typeface="Cambria Math" panose="02040503050406030204" pitchFamily="18" charset="0"/>
+                      </a:rPr>
                       <m:t>𝑥</m:t>
                     </m:r>
                     <m:d>
@@ -6808,12 +7478,16 @@
                         <m:begChr m:val="["/>
                         <m:endChr m:val="]"/>
                         <m:ctrlPr>
-                          <a:rPr lang="ar-AE" sz="11200" i="1"/>
+                          <a:rPr lang="ar-AE" sz="11200" i="1">
+                            <a:latin typeface="Cambria Math" panose="02040503050406030204" pitchFamily="18" charset="0"/>
+                          </a:rPr>
                         </m:ctrlPr>
                       </m:dPr>
                       <m:e>
                         <m:r>
-                          <a:rPr lang="ar-AE" sz="11200" i="1"/>
+                          <a:rPr lang="ar-AE" sz="11200" i="1">
+                            <a:latin typeface="Cambria Math" panose="02040503050406030204" pitchFamily="18" charset="0"/>
+                          </a:rPr>
                           <m:t>𝑛</m:t>
                         </m:r>
                       </m:e>
@@ -6833,7 +7507,9 @@
                 <a14:m>
                   <m:oMath xmlns:m="http://schemas.openxmlformats.org/officeDocument/2006/math">
                     <m:r>
-                      <a:rPr lang="en-US" sz="11200" i="1"/>
+                      <a:rPr lang="en-US" sz="11200" i="1">
+                        <a:latin typeface="Cambria Math" panose="02040503050406030204" pitchFamily="18" charset="0"/>
+                      </a:rPr>
                       <m:t>𝑦</m:t>
                     </m:r>
                     <m:d>
@@ -6841,12 +7517,16 @@
                         <m:begChr m:val="["/>
                         <m:endChr m:val="]"/>
                         <m:ctrlPr>
-                          <a:rPr lang="ar-AE" sz="11200" i="1"/>
+                          <a:rPr lang="ar-AE" sz="11200" i="1">
+                            <a:latin typeface="Cambria Math" panose="02040503050406030204" pitchFamily="18" charset="0"/>
+                          </a:rPr>
                         </m:ctrlPr>
                       </m:dPr>
                       <m:e>
                         <m:r>
-                          <a:rPr lang="ar-AE" sz="11200" i="1"/>
+                          <a:rPr lang="ar-AE" sz="11200" i="1">
+                            <a:latin typeface="Cambria Math" panose="02040503050406030204" pitchFamily="18" charset="0"/>
+                          </a:rPr>
                           <m:t>𝑛</m:t>
                         </m:r>
                       </m:e>
@@ -6866,7 +7546,9 @@
                 <a14:m>
                   <m:oMath xmlns:m="http://schemas.openxmlformats.org/officeDocument/2006/math">
                     <m:r>
-                      <a:rPr lang="en-US" sz="11200" i="1"/>
+                      <a:rPr lang="en-US" sz="11200" i="1">
+                        <a:latin typeface="Cambria Math" panose="02040503050406030204" pitchFamily="18" charset="0"/>
+                      </a:rPr>
                       <m:t>𝑁</m:t>
                     </m:r>
                   </m:oMath>
@@ -6885,7 +7567,7 @@
             </p:txBody>
           </p:sp>
         </mc:Choice>
-        <mc:Fallback>
+        <mc:Fallback xmlns="">
           <p:sp>
             <p:nvSpPr>
               <p:cNvPr id="3" name="Content Placeholder 2">
@@ -6960,7 +7642,7 @@
           <p:cNvPr id="2" name="Title 1">
             <a:extLst>
               <a:ext uri="{FF2B5EF4-FFF2-40B4-BE49-F238E27FC236}">
-                <a16:creationId xmlns:a16="http://schemas.microsoft.com/office/drawing/2014/main" id="{0577591C-774C-69A3-AD99-5C6F2E3C4DB3}"/>
+                <a16:creationId xmlns:a16="http://schemas.microsoft.com/office/drawing/2014/main" id="{3D2F47D2-BB4D-1390-6E27-AF4F09514588}"/>
               </a:ext>
             </a:extLst>
           </p:cNvPr>
@@ -6971,146 +7653,426 @@
             <p:ph type="title"/>
           </p:nvPr>
         </p:nvSpPr>
-        <p:spPr/>
+        <p:spPr>
+          <a:xfrm>
+            <a:off x="677335" y="0"/>
+            <a:ext cx="8596668" cy="1320800"/>
+          </a:xfrm>
+        </p:spPr>
         <p:txBody>
           <a:bodyPr/>
           <a:lstStyle/>
           <a:p>
             <a:r>
               <a:rPr lang="en-US" dirty="0"/>
-              <a:t>Design Steps:</a:t>
-            </a:r>
-          </a:p>
-        </p:txBody>
-      </p:sp>
-      <p:sp>
-        <p:nvSpPr>
-          <p:cNvPr id="3" name="Content Placeholder 2">
+              <a:t>How to do Convolution??</a:t>
+            </a:r>
+          </a:p>
+        </p:txBody>
+      </p:sp>
+      <p:sp>
+        <p:nvSpPr>
+          <p:cNvPr id="4" name="Rectangle 1">
             <a:extLst>
               <a:ext uri="{FF2B5EF4-FFF2-40B4-BE49-F238E27FC236}">
-                <a16:creationId xmlns:a16="http://schemas.microsoft.com/office/drawing/2014/main" id="{AE9DE537-719B-B377-48AC-7A48B7C96413}"/>
+                <a16:creationId xmlns:a16="http://schemas.microsoft.com/office/drawing/2014/main" id="{F637BBB1-084C-4BD0-BC88-5315E2C7312F}"/>
               </a:ext>
             </a:extLst>
           </p:cNvPr>
           <p:cNvSpPr>
-            <a:spLocks noGrp="1"/>
+            <a:spLocks noGrp="1" noChangeArrowheads="1"/>
           </p:cNvSpPr>
           <p:nvPr>
             <p:ph idx="1"/>
           </p:nvPr>
         </p:nvSpPr>
-        <p:spPr>
+        <p:spPr bwMode="auto">
           <a:xfrm>
-            <a:off x="677334" y="1488613"/>
-            <a:ext cx="8596668" cy="3880773"/>
+            <a:off x="677335" y="660400"/>
+            <a:ext cx="8970518" cy="6617196"/>
           </a:xfrm>
+          <a:prstGeom prst="rect">
+            <a:avLst/>
+          </a:prstGeom>
+          <a:noFill/>
+          <a:ln>
+            <a:noFill/>
+          </a:ln>
+          <a:effectLst/>
+          <a:extLst>
+            <a:ext uri="{909E8E84-426E-40DD-AFC4-6F175D3DCCD1}">
+              <a14:hiddenFill xmlns:a14="http://schemas.microsoft.com/office/drawing/2010/main">
+                <a:solidFill>
+                  <a:schemeClr val="accent1"/>
+                </a:solidFill>
+              </a14:hiddenFill>
+            </a:ext>
+            <a:ext uri="{91240B29-F687-4F45-9708-019B960494DF}">
+              <a14:hiddenLine xmlns:a14="http://schemas.microsoft.com/office/drawing/2010/main" w="9525">
+                <a:solidFill>
+                  <a:schemeClr val="tx1"/>
+                </a:solidFill>
+                <a:miter lim="800000"/>
+                <a:headEnd/>
+                <a:tailEnd/>
+              </a14:hiddenLine>
+            </a:ext>
+            <a:ext uri="{AF507438-7753-43E0-B8FC-AC1667EBCBE1}">
+              <a14:hiddenEffects xmlns:a14="http://schemas.microsoft.com/office/drawing/2010/main">
+                <a:effectLst>
+                  <a:outerShdw dist="35921" dir="2700000" algn="ctr" rotWithShape="0">
+                    <a:schemeClr val="bg2"/>
+                  </a:outerShdw>
+                </a:effectLst>
+              </a14:hiddenEffects>
+            </a:ext>
+          </a:extLst>
         </p:spPr>
         <p:txBody>
-          <a:bodyPr>
-            <a:noAutofit/>
+          <a:bodyPr vert="horz" wrap="square" lIns="91440" tIns="45720" rIns="91440" bIns="45720" numCol="1" anchor="ctr" anchorCtr="0" compatLnSpc="1">
+            <a:prstTxWarp prst="textNoShape">
+              <a:avLst/>
+            </a:prstTxWarp>
+            <a:spAutoFit/>
           </a:bodyPr>
           <a:lstStyle/>
           <a:p>
-            <a:r>
-              <a:rPr lang="en-GB" sz="2000" b="1" dirty="0"/>
-              <a:t>Specification</a:t>
-            </a:r>
-            <a:r>
-              <a:rPr lang="en-GB" sz="2000" dirty="0"/>
-              <a:t> – Define filter type (Low-pass, High-pass, Band-pass, Band-stop)</a:t>
-            </a:r>
-          </a:p>
-          <a:p>
-            <a:r>
-              <a:rPr lang="en-GB" sz="2000" b="1" dirty="0"/>
-              <a:t>Select Parameters</a:t>
-            </a:r>
-            <a:r>
-              <a:rPr lang="en-GB" sz="2000" dirty="0"/>
-              <a:t> – </a:t>
-            </a:r>
-          </a:p>
-          <a:p>
-            <a:pPr lvl="1"/>
-            <a:r>
-              <a:rPr lang="en-GB" sz="2000" dirty="0"/>
-              <a:t>pass band frequency</a:t>
-            </a:r>
-          </a:p>
-          <a:p>
-            <a:pPr lvl="1"/>
-            <a:r>
-              <a:rPr lang="en-GB" sz="2000" dirty="0"/>
-              <a:t>stop band frequency</a:t>
-            </a:r>
-          </a:p>
-          <a:p>
-            <a:pPr lvl="1"/>
-            <a:r>
-              <a:rPr lang="en-GB" sz="2000" dirty="0"/>
-              <a:t>pass band ripple </a:t>
-            </a:r>
-          </a:p>
-          <a:p>
-            <a:pPr lvl="1"/>
-            <a:r>
-              <a:rPr lang="en-GB" sz="2000" dirty="0"/>
-              <a:t>stop band attenuation</a:t>
-            </a:r>
-          </a:p>
-          <a:p>
-            <a:r>
-              <a:rPr lang="en-GB" sz="2000" b="1" dirty="0"/>
-              <a:t>Compute Coefficients</a:t>
-            </a:r>
-            <a:r>
-              <a:rPr lang="en-GB" sz="2000" dirty="0"/>
-              <a:t> – Using mathematical formulas (</a:t>
-            </a:r>
-            <a:r>
-              <a:rPr lang="en-GB" sz="2000" dirty="0" err="1"/>
-              <a:t>sinc</a:t>
-            </a:r>
-            <a:r>
-              <a:rPr lang="en-GB" sz="2000" dirty="0"/>
-              <a:t> + window) or tools (MATLAB/Python </a:t>
-            </a:r>
-            <a:r>
-              <a:rPr lang="en-US" sz="2000" dirty="0" err="1"/>
-              <a:t>remez</a:t>
-            </a:r>
-            <a:r>
-              <a:rPr lang="en-GB" sz="2000" dirty="0"/>
-              <a:t>)</a:t>
-            </a:r>
-          </a:p>
-          <a:p>
-            <a:r>
-              <a:rPr lang="en-GB" sz="2000" b="1" dirty="0"/>
-              <a:t>Implementation</a:t>
-            </a:r>
-            <a:r>
-              <a:rPr lang="en-GB" sz="2000" dirty="0"/>
-              <a:t> – Use convolution in C/Python (float or fixed-point)</a:t>
-            </a:r>
-          </a:p>
-          <a:p>
-            <a:r>
-              <a:rPr lang="en-GB" sz="2000" b="1" dirty="0"/>
-              <a:t>Verification</a:t>
-            </a:r>
-            <a:r>
-              <a:rPr lang="en-GB" sz="2000" dirty="0"/>
-              <a:t> – Compare float vs fixed output (RMSE, PESQ for speech signals)</a:t>
-            </a:r>
-            <a:endParaRPr lang="en-US" sz="2000" dirty="0"/>
+            <a:pPr marL="0" lvl="0" indent="0" defTabSz="914400" eaLnBrk="0" fontAlgn="base" hangingPunct="0">
+              <a:spcBef>
+                <a:spcPct val="0"/>
+              </a:spcBef>
+              <a:spcAft>
+                <a:spcPct val="0"/>
+              </a:spcAft>
+              <a:buClrTx/>
+              <a:buSzTx/>
+              <a:buFontTx/>
+              <a:buChar char="•"/>
+            </a:pPr>
+            <a:r>
+              <a:rPr lang="en-US" sz="2800" dirty="0"/>
+              <a:t>Direct Convolution</a:t>
+            </a:r>
+            <a:endParaRPr kumimoji="0" lang="en-US" altLang="en-US" sz="2800" b="0" i="0" u="none" strike="noStrike" cap="none" normalizeH="0" baseline="0" dirty="0">
+              <a:ln>
+                <a:noFill/>
+              </a:ln>
+              <a:solidFill>
+                <a:schemeClr val="tx1"/>
+              </a:solidFill>
+              <a:effectLst/>
+              <a:latin typeface="Arial" panose="020B0604020202020204" pitchFamily="34" charset="0"/>
+            </a:endParaRPr>
+          </a:p>
+          <a:p>
+            <a:pPr marL="400050" lvl="1" indent="0" defTabSz="914400" eaLnBrk="0" fontAlgn="base" hangingPunct="0">
+              <a:spcBef>
+                <a:spcPct val="0"/>
+              </a:spcBef>
+              <a:spcAft>
+                <a:spcPct val="0"/>
+              </a:spcAft>
+              <a:buClrTx/>
+              <a:buSzTx/>
+              <a:buFontTx/>
+              <a:buChar char="•"/>
+            </a:pPr>
+            <a:r>
+              <a:rPr kumimoji="0" lang="en-US" altLang="en-US" sz="2800" b="0" i="0" u="none" strike="noStrike" cap="none" normalizeH="0" baseline="0" dirty="0">
+                <a:ln>
+                  <a:noFill/>
+                </a:ln>
+                <a:solidFill>
+                  <a:schemeClr val="tx1"/>
+                </a:solidFill>
+                <a:effectLst/>
+                <a:latin typeface="Arial" panose="020B0604020202020204" pitchFamily="34" charset="0"/>
+              </a:rPr>
+              <a:t>Multiply-accumulate (MAC) for each output sample</a:t>
+            </a:r>
+          </a:p>
+          <a:p>
+            <a:pPr marL="400050" lvl="1" indent="0" defTabSz="914400" eaLnBrk="0" fontAlgn="base" hangingPunct="0">
+              <a:spcBef>
+                <a:spcPct val="0"/>
+              </a:spcBef>
+              <a:spcAft>
+                <a:spcPct val="0"/>
+              </a:spcAft>
+              <a:buClrTx/>
+              <a:buSzTx/>
+              <a:buFontTx/>
+              <a:buChar char="•"/>
+            </a:pPr>
+            <a:r>
+              <a:rPr kumimoji="0" lang="en-US" altLang="en-US" sz="2800" b="0" i="0" u="none" strike="noStrike" cap="none" normalizeH="0" baseline="0" dirty="0">
+                <a:ln>
+                  <a:noFill/>
+                </a:ln>
+                <a:solidFill>
+                  <a:schemeClr val="tx1"/>
+                </a:solidFill>
+                <a:effectLst/>
+                <a:latin typeface="Arial" panose="020B0604020202020204" pitchFamily="34" charset="0"/>
+              </a:rPr>
+              <a:t>Complexity: </a:t>
+            </a:r>
+            <a:r>
+              <a:rPr kumimoji="0" lang="en-US" altLang="en-US" sz="2800" b="1" i="0" u="none" strike="noStrike" cap="none" normalizeH="0" baseline="0" dirty="0">
+                <a:ln>
+                  <a:noFill/>
+                </a:ln>
+                <a:solidFill>
+                  <a:schemeClr val="tx1"/>
+                </a:solidFill>
+                <a:effectLst/>
+                <a:latin typeface="Arial" panose="020B0604020202020204" pitchFamily="34" charset="0"/>
+              </a:rPr>
+              <a:t>O(N·M)</a:t>
+            </a:r>
+            <a:r>
+              <a:rPr kumimoji="0" lang="en-US" altLang="en-US" sz="2800" b="0" i="0" u="none" strike="noStrike" cap="none" normalizeH="0" baseline="0" dirty="0">
+                <a:ln>
+                  <a:noFill/>
+                </a:ln>
+                <a:solidFill>
+                  <a:schemeClr val="tx1"/>
+                </a:solidFill>
+                <a:effectLst/>
+                <a:latin typeface="Arial" panose="020B0604020202020204" pitchFamily="34" charset="0"/>
+              </a:rPr>
+              <a:t> (N = input length, M = filter length)</a:t>
+            </a:r>
+          </a:p>
+          <a:p>
+            <a:pPr marL="400050" lvl="1" indent="0" defTabSz="914400" eaLnBrk="0" fontAlgn="base" hangingPunct="0">
+              <a:spcBef>
+                <a:spcPct val="0"/>
+              </a:spcBef>
+              <a:spcAft>
+                <a:spcPct val="0"/>
+              </a:spcAft>
+              <a:buClrTx/>
+              <a:buSzTx/>
+              <a:buFontTx/>
+              <a:buChar char="•"/>
+            </a:pPr>
+            <a:r>
+              <a:rPr kumimoji="0" lang="en-US" altLang="en-US" sz="2800" b="0" i="0" u="none" strike="noStrike" cap="none" normalizeH="0" baseline="0" dirty="0">
+                <a:ln>
+                  <a:noFill/>
+                </a:ln>
+                <a:solidFill>
+                  <a:schemeClr val="tx1"/>
+                </a:solidFill>
+                <a:effectLst/>
+                <a:latin typeface="Arial" panose="020B0604020202020204" pitchFamily="34" charset="0"/>
+              </a:rPr>
+              <a:t>Simple but expensive for large filters</a:t>
+            </a:r>
+          </a:p>
+          <a:p>
+            <a:pPr marL="0" indent="0" defTabSz="914400" eaLnBrk="0" fontAlgn="base" hangingPunct="0">
+              <a:spcBef>
+                <a:spcPct val="0"/>
+              </a:spcBef>
+              <a:spcAft>
+                <a:spcPct val="0"/>
+              </a:spcAft>
+              <a:buClrTx/>
+              <a:buSzTx/>
+              <a:buFontTx/>
+              <a:buChar char="•"/>
+            </a:pPr>
+            <a:r>
+              <a:rPr lang="en-US" sz="2800" dirty="0"/>
+              <a:t>Overlap-Add (OLA)</a:t>
+            </a:r>
+          </a:p>
+          <a:p>
+            <a:pPr marL="400050" lvl="1" indent="0" defTabSz="914400" eaLnBrk="0" fontAlgn="base" hangingPunct="0">
+              <a:spcBef>
+                <a:spcPct val="0"/>
+              </a:spcBef>
+              <a:spcAft>
+                <a:spcPct val="0"/>
+              </a:spcAft>
+              <a:buClrTx/>
+              <a:buSzTx/>
+              <a:buFontTx/>
+              <a:buChar char="•"/>
+            </a:pPr>
+            <a:r>
+              <a:rPr lang="en-US" sz="2800" dirty="0"/>
+              <a:t>Input split into blocks</a:t>
+            </a:r>
+          </a:p>
+          <a:p>
+            <a:pPr marL="400050" lvl="1" indent="0" defTabSz="914400" eaLnBrk="0" fontAlgn="base" hangingPunct="0">
+              <a:spcBef>
+                <a:spcPct val="0"/>
+              </a:spcBef>
+              <a:spcAft>
+                <a:spcPct val="0"/>
+              </a:spcAft>
+              <a:buClrTx/>
+              <a:buSzTx/>
+              <a:buFontTx/>
+              <a:buChar char="•"/>
+            </a:pPr>
+            <a:r>
+              <a:rPr lang="en-GB" sz="2800" dirty="0"/>
+              <a:t>Each block convolved using FFT</a:t>
+            </a:r>
+          </a:p>
+          <a:p>
+            <a:pPr marL="400050" lvl="1" indent="0" defTabSz="914400" eaLnBrk="0" fontAlgn="base" hangingPunct="0">
+              <a:spcBef>
+                <a:spcPct val="0"/>
+              </a:spcBef>
+              <a:spcAft>
+                <a:spcPct val="0"/>
+              </a:spcAft>
+              <a:buClrTx/>
+              <a:buSzTx/>
+              <a:buFontTx/>
+              <a:buChar char="•"/>
+            </a:pPr>
+            <a:r>
+              <a:rPr lang="en-US" sz="2800" dirty="0"/>
+              <a:t>Results added with overlap</a:t>
+            </a:r>
+          </a:p>
+          <a:p>
+            <a:pPr marL="400050" lvl="1" indent="0" defTabSz="914400" eaLnBrk="0" fontAlgn="base" hangingPunct="0">
+              <a:spcBef>
+                <a:spcPct val="0"/>
+              </a:spcBef>
+              <a:spcAft>
+                <a:spcPct val="0"/>
+              </a:spcAft>
+              <a:buClrTx/>
+              <a:buSzTx/>
+              <a:buFontTx/>
+              <a:buChar char="•"/>
+            </a:pPr>
+            <a:r>
+              <a:rPr lang="en-US" sz="2800" dirty="0"/>
+              <a:t>Efficient for long filters</a:t>
+            </a:r>
+          </a:p>
+          <a:p>
+            <a:pPr marL="0" indent="0" defTabSz="914400" eaLnBrk="0" fontAlgn="base" hangingPunct="0">
+              <a:spcBef>
+                <a:spcPct val="0"/>
+              </a:spcBef>
+              <a:spcAft>
+                <a:spcPct val="0"/>
+              </a:spcAft>
+              <a:buClrTx/>
+              <a:buSzTx/>
+              <a:buFontTx/>
+              <a:buChar char="•"/>
+            </a:pPr>
+            <a:r>
+              <a:rPr lang="en-US" sz="2800" dirty="0"/>
+              <a:t>Overlap-Save (OLS)</a:t>
+            </a:r>
+          </a:p>
+          <a:p>
+            <a:pPr marL="400050" lvl="1" indent="0" defTabSz="914400" eaLnBrk="0" fontAlgn="base" hangingPunct="0">
+              <a:spcBef>
+                <a:spcPct val="0"/>
+              </a:spcBef>
+              <a:spcAft>
+                <a:spcPct val="0"/>
+              </a:spcAft>
+              <a:buClrTx/>
+              <a:buSzTx/>
+              <a:buFontTx/>
+              <a:buChar char="•"/>
+            </a:pPr>
+            <a:r>
+              <a:rPr lang="en-GB" sz="2800" dirty="0"/>
+              <a:t>Input divided into overlapping blocks</a:t>
+            </a:r>
+          </a:p>
+          <a:p>
+            <a:pPr marL="400050" lvl="1" indent="0" defTabSz="914400" eaLnBrk="0" fontAlgn="base" hangingPunct="0">
+              <a:spcBef>
+                <a:spcPct val="0"/>
+              </a:spcBef>
+              <a:spcAft>
+                <a:spcPct val="0"/>
+              </a:spcAft>
+              <a:buClrTx/>
+              <a:buSzTx/>
+              <a:buFontTx/>
+              <a:buChar char="•"/>
+            </a:pPr>
+            <a:r>
+              <a:rPr lang="en-GB" sz="2800" dirty="0"/>
+              <a:t>FFT-based convolution, discarding invalid samples</a:t>
+            </a:r>
+          </a:p>
+          <a:p>
+            <a:pPr marL="400050" lvl="1" indent="0" defTabSz="914400" eaLnBrk="0" fontAlgn="base" hangingPunct="0">
+              <a:spcBef>
+                <a:spcPct val="0"/>
+              </a:spcBef>
+              <a:spcAft>
+                <a:spcPct val="0"/>
+              </a:spcAft>
+              <a:buClrTx/>
+              <a:buSzTx/>
+              <a:buFontTx/>
+              <a:buChar char="•"/>
+            </a:pPr>
+            <a:r>
+              <a:rPr lang="en-US" sz="2800" dirty="0"/>
+              <a:t>Memory-efficient alternative to OLA</a:t>
+            </a:r>
+            <a:endParaRPr kumimoji="0" lang="en-US" altLang="en-US" sz="2800" b="0" i="0" u="none" strike="noStrike" cap="none" normalizeH="0" baseline="0" dirty="0">
+              <a:ln>
+                <a:noFill/>
+              </a:ln>
+              <a:solidFill>
+                <a:schemeClr val="tx1"/>
+              </a:solidFill>
+              <a:effectLst/>
+              <a:latin typeface="Arial" panose="020B0604020202020204" pitchFamily="34" charset="0"/>
+            </a:endParaRPr>
+          </a:p>
+          <a:p>
+            <a:pPr marL="0" indent="0" defTabSz="914400" eaLnBrk="0" fontAlgn="base" hangingPunct="0">
+              <a:spcBef>
+                <a:spcPct val="0"/>
+              </a:spcBef>
+              <a:spcAft>
+                <a:spcPct val="0"/>
+              </a:spcAft>
+              <a:buClrTx/>
+              <a:buSzTx/>
+              <a:buFontTx/>
+              <a:buChar char="•"/>
+            </a:pPr>
+            <a:endParaRPr kumimoji="0" lang="en-US" altLang="en-US" sz="3200" b="0" i="0" u="none" strike="noStrike" cap="none" normalizeH="0" baseline="0" dirty="0">
+              <a:ln>
+                <a:noFill/>
+              </a:ln>
+              <a:solidFill>
+                <a:schemeClr val="tx1"/>
+              </a:solidFill>
+              <a:effectLst/>
+              <a:latin typeface="Arial" panose="020B0604020202020204" pitchFamily="34" charset="0"/>
+            </a:endParaRPr>
           </a:p>
         </p:txBody>
       </p:sp>
     </p:spTree>
     <p:extLst>
       <p:ext uri="{BB962C8B-B14F-4D97-AF65-F5344CB8AC3E}">
-        <p14:creationId xmlns:p14="http://schemas.microsoft.com/office/powerpoint/2010/main" val="1963738921"/>
+        <p14:creationId xmlns:p14="http://schemas.microsoft.com/office/powerpoint/2010/main" val="1020914387"/>
       </p:ext>
     </p:extLst>
   </p:cSld>
@@ -7142,6 +8104,370 @@
           <p:cNvPr id="2" name="Title 1">
             <a:extLst>
               <a:ext uri="{FF2B5EF4-FFF2-40B4-BE49-F238E27FC236}">
+                <a16:creationId xmlns:a16="http://schemas.microsoft.com/office/drawing/2014/main" id="{1DF9E8CF-BE05-958B-8526-403158D1D4B2}"/>
+              </a:ext>
+            </a:extLst>
+          </p:cNvPr>
+          <p:cNvSpPr>
+            <a:spLocks noGrp="1"/>
+          </p:cNvSpPr>
+          <p:nvPr>
+            <p:ph type="title"/>
+          </p:nvPr>
+        </p:nvSpPr>
+        <p:spPr/>
+        <p:txBody>
+          <a:bodyPr/>
+          <a:lstStyle/>
+          <a:p>
+            <a:r>
+              <a:rPr lang="en-GB" dirty="0"/>
+              <a:t>Overlap-Add(OLA)</a:t>
+            </a:r>
+            <a:endParaRPr lang="en-US" dirty="0"/>
+          </a:p>
+        </p:txBody>
+      </p:sp>
+      <p:pic>
+        <p:nvPicPr>
+          <p:cNvPr id="9" name="Content Placeholder 8">
+            <a:extLst>
+              <a:ext uri="{FF2B5EF4-FFF2-40B4-BE49-F238E27FC236}">
+                <a16:creationId xmlns:a16="http://schemas.microsoft.com/office/drawing/2014/main" id="{53C7729E-E225-D05C-14BA-A8D75C54F8B4}"/>
+              </a:ext>
+            </a:extLst>
+          </p:cNvPr>
+          <p:cNvPicPr>
+            <a:picLocks noGrp="1" noChangeAspect="1"/>
+          </p:cNvPicPr>
+          <p:nvPr>
+            <p:ph idx="1"/>
+          </p:nvPr>
+        </p:nvPicPr>
+        <p:blipFill>
+          <a:blip r:embed="rId2"/>
+          <a:stretch>
+            <a:fillRect/>
+          </a:stretch>
+        </p:blipFill>
+        <p:spPr>
+          <a:xfrm>
+            <a:off x="510748" y="1726163"/>
+            <a:ext cx="8763254" cy="4522237"/>
+          </a:xfrm>
+          <a:prstGeom prst="rect">
+            <a:avLst/>
+          </a:prstGeom>
+        </p:spPr>
+      </p:pic>
+    </p:spTree>
+    <p:extLst>
+      <p:ext uri="{BB962C8B-B14F-4D97-AF65-F5344CB8AC3E}">
+        <p14:creationId xmlns:p14="http://schemas.microsoft.com/office/powerpoint/2010/main" val="3524841402"/>
+      </p:ext>
+    </p:extLst>
+  </p:cSld>
+  <p:clrMapOvr>
+    <a:masterClrMapping/>
+  </p:clrMapOvr>
+</p:sld>
+</file>
+
+<file path=ppt/slides/slide5.xml><?xml version="1.0" encoding="utf-8"?>
+<p:sld xmlns:a="http://schemas.openxmlformats.org/drawingml/2006/main" xmlns:r="http://schemas.openxmlformats.org/officeDocument/2006/relationships" xmlns:p="http://schemas.openxmlformats.org/presentationml/2006/main">
+  <p:cSld>
+    <p:spTree>
+      <p:nvGrpSpPr>
+        <p:cNvPr id="1" name=""/>
+        <p:cNvGrpSpPr/>
+        <p:nvPr/>
+      </p:nvGrpSpPr>
+      <p:grpSpPr>
+        <a:xfrm>
+          <a:off x="0" y="0"/>
+          <a:ext cx="0" cy="0"/>
+          <a:chOff x="0" y="0"/>
+          <a:chExt cx="0" cy="0"/>
+        </a:xfrm>
+      </p:grpSpPr>
+      <p:sp>
+        <p:nvSpPr>
+          <p:cNvPr id="2" name="Title 1">
+            <a:extLst>
+              <a:ext uri="{FF2B5EF4-FFF2-40B4-BE49-F238E27FC236}">
+                <a16:creationId xmlns:a16="http://schemas.microsoft.com/office/drawing/2014/main" id="{7907392E-DDB1-62D0-DCF7-67AD04409148}"/>
+              </a:ext>
+            </a:extLst>
+          </p:cNvPr>
+          <p:cNvSpPr>
+            <a:spLocks noGrp="1"/>
+          </p:cNvSpPr>
+          <p:nvPr>
+            <p:ph type="title"/>
+          </p:nvPr>
+        </p:nvSpPr>
+        <p:spPr/>
+        <p:txBody>
+          <a:bodyPr/>
+          <a:lstStyle/>
+          <a:p>
+            <a:r>
+              <a:rPr lang="en-GB" dirty="0"/>
+              <a:t>Overlap-Save(OLS)</a:t>
+            </a:r>
+            <a:endParaRPr lang="en-US" dirty="0"/>
+          </a:p>
+        </p:txBody>
+      </p:sp>
+      <p:pic>
+        <p:nvPicPr>
+          <p:cNvPr id="5" name="Content Placeholder 4">
+            <a:extLst>
+              <a:ext uri="{FF2B5EF4-FFF2-40B4-BE49-F238E27FC236}">
+                <a16:creationId xmlns:a16="http://schemas.microsoft.com/office/drawing/2014/main" id="{9D19E58C-0FE3-C2A7-9DD6-8F3CD27EDD0C}"/>
+              </a:ext>
+            </a:extLst>
+          </p:cNvPr>
+          <p:cNvPicPr>
+            <a:picLocks noGrp="1" noChangeAspect="1"/>
+          </p:cNvPicPr>
+          <p:nvPr>
+            <p:ph idx="1"/>
+          </p:nvPr>
+        </p:nvPicPr>
+        <p:blipFill>
+          <a:blip r:embed="rId2"/>
+          <a:stretch>
+            <a:fillRect/>
+          </a:stretch>
+        </p:blipFill>
+        <p:spPr>
+          <a:xfrm>
+            <a:off x="839755" y="1502230"/>
+            <a:ext cx="8257591" cy="4539796"/>
+          </a:xfrm>
+          <a:prstGeom prst="rect">
+            <a:avLst/>
+          </a:prstGeom>
+        </p:spPr>
+      </p:pic>
+    </p:spTree>
+    <p:extLst>
+      <p:ext uri="{BB962C8B-B14F-4D97-AF65-F5344CB8AC3E}">
+        <p14:creationId xmlns:p14="http://schemas.microsoft.com/office/powerpoint/2010/main" val="2590513467"/>
+      </p:ext>
+    </p:extLst>
+  </p:cSld>
+  <p:clrMapOvr>
+    <a:masterClrMapping/>
+  </p:clrMapOvr>
+</p:sld>
+</file>
+
+<file path=ppt/slides/slide6.xml><?xml version="1.0" encoding="utf-8"?>
+<p:sld xmlns:a="http://schemas.openxmlformats.org/drawingml/2006/main" xmlns:r="http://schemas.openxmlformats.org/officeDocument/2006/relationships" xmlns:p="http://schemas.openxmlformats.org/presentationml/2006/main">
+  <p:cSld>
+    <p:spTree>
+      <p:nvGrpSpPr>
+        <p:cNvPr id="1" name=""/>
+        <p:cNvGrpSpPr/>
+        <p:nvPr/>
+      </p:nvGrpSpPr>
+      <p:grpSpPr>
+        <a:xfrm>
+          <a:off x="0" y="0"/>
+          <a:ext cx="0" cy="0"/>
+          <a:chOff x="0" y="0"/>
+          <a:chExt cx="0" cy="0"/>
+        </a:xfrm>
+      </p:grpSpPr>
+      <p:sp>
+        <p:nvSpPr>
+          <p:cNvPr id="2" name="Title 1">
+            <a:extLst>
+              <a:ext uri="{FF2B5EF4-FFF2-40B4-BE49-F238E27FC236}">
+                <a16:creationId xmlns:a16="http://schemas.microsoft.com/office/drawing/2014/main" id="{0577591C-774C-69A3-AD99-5C6F2E3C4DB3}"/>
+              </a:ext>
+            </a:extLst>
+          </p:cNvPr>
+          <p:cNvSpPr>
+            <a:spLocks noGrp="1"/>
+          </p:cNvSpPr>
+          <p:nvPr>
+            <p:ph type="title"/>
+          </p:nvPr>
+        </p:nvSpPr>
+        <p:spPr/>
+        <p:txBody>
+          <a:bodyPr/>
+          <a:lstStyle/>
+          <a:p>
+            <a:r>
+              <a:rPr lang="en-US" dirty="0"/>
+              <a:t>Design Steps:</a:t>
+            </a:r>
+          </a:p>
+        </p:txBody>
+      </p:sp>
+      <p:sp>
+        <p:nvSpPr>
+          <p:cNvPr id="3" name="Content Placeholder 2">
+            <a:extLst>
+              <a:ext uri="{FF2B5EF4-FFF2-40B4-BE49-F238E27FC236}">
+                <a16:creationId xmlns:a16="http://schemas.microsoft.com/office/drawing/2014/main" id="{AE9DE537-719B-B377-48AC-7A48B7C96413}"/>
+              </a:ext>
+            </a:extLst>
+          </p:cNvPr>
+          <p:cNvSpPr>
+            <a:spLocks noGrp="1"/>
+          </p:cNvSpPr>
+          <p:nvPr>
+            <p:ph idx="1"/>
+          </p:nvPr>
+        </p:nvSpPr>
+        <p:spPr>
+          <a:xfrm>
+            <a:off x="677334" y="1488613"/>
+            <a:ext cx="8596668" cy="3880773"/>
+          </a:xfrm>
+        </p:spPr>
+        <p:txBody>
+          <a:bodyPr>
+            <a:noAutofit/>
+          </a:bodyPr>
+          <a:lstStyle/>
+          <a:p>
+            <a:r>
+              <a:rPr lang="en-GB" sz="2000" b="1" dirty="0"/>
+              <a:t>Specification</a:t>
+            </a:r>
+            <a:r>
+              <a:rPr lang="en-GB" sz="2000" dirty="0"/>
+              <a:t> – Define filter type (Low-pass, High-pass, Band-pass, Band-stop)</a:t>
+            </a:r>
+          </a:p>
+          <a:p>
+            <a:r>
+              <a:rPr lang="en-GB" sz="2000" b="1" dirty="0"/>
+              <a:t>Select Parameters</a:t>
+            </a:r>
+            <a:r>
+              <a:rPr lang="en-GB" sz="2000" dirty="0"/>
+              <a:t> – </a:t>
+            </a:r>
+          </a:p>
+          <a:p>
+            <a:pPr lvl="1"/>
+            <a:r>
+              <a:rPr lang="en-GB" sz="2000" dirty="0"/>
+              <a:t>pass band frequency</a:t>
+            </a:r>
+          </a:p>
+          <a:p>
+            <a:pPr lvl="1"/>
+            <a:r>
+              <a:rPr lang="en-GB" sz="2000" dirty="0"/>
+              <a:t>stop band frequency</a:t>
+            </a:r>
+          </a:p>
+          <a:p>
+            <a:pPr lvl="1"/>
+            <a:r>
+              <a:rPr lang="en-GB" sz="2000" dirty="0"/>
+              <a:t>pass band ripple </a:t>
+            </a:r>
+          </a:p>
+          <a:p>
+            <a:pPr lvl="1"/>
+            <a:r>
+              <a:rPr lang="en-GB" sz="2000" dirty="0"/>
+              <a:t>stop band attenuation</a:t>
+            </a:r>
+          </a:p>
+          <a:p>
+            <a:r>
+              <a:rPr lang="en-GB" sz="2000" b="1" dirty="0"/>
+              <a:t>Compute Coefficients</a:t>
+            </a:r>
+            <a:r>
+              <a:rPr lang="en-GB" sz="2000" dirty="0"/>
+              <a:t> – Using mathematical formulas (</a:t>
+            </a:r>
+            <a:r>
+              <a:rPr lang="en-GB" sz="2000" dirty="0" err="1"/>
+              <a:t>sinc</a:t>
+            </a:r>
+            <a:r>
+              <a:rPr lang="en-GB" sz="2000" dirty="0"/>
+              <a:t> + window) or tools (MATLAB/Python </a:t>
+            </a:r>
+            <a:r>
+              <a:rPr lang="en-US" sz="2000" dirty="0" err="1"/>
+              <a:t>remez</a:t>
+            </a:r>
+            <a:r>
+              <a:rPr lang="en-GB" sz="2000" dirty="0"/>
+              <a:t>)</a:t>
+            </a:r>
+          </a:p>
+          <a:p>
+            <a:r>
+              <a:rPr lang="en-GB" sz="2000" b="1" dirty="0"/>
+              <a:t>Implementation</a:t>
+            </a:r>
+            <a:r>
+              <a:rPr lang="en-GB" sz="2000" dirty="0"/>
+              <a:t> – Use convolution in C/Python (float or fixed-point)</a:t>
+            </a:r>
+          </a:p>
+          <a:p>
+            <a:r>
+              <a:rPr lang="en-GB" sz="2000" b="1" dirty="0"/>
+              <a:t>Verification</a:t>
+            </a:r>
+            <a:r>
+              <a:rPr lang="en-GB" sz="2000" dirty="0"/>
+              <a:t> – Compare float vs fixed output (RMSE, PESQ for speech signals)</a:t>
+            </a:r>
+            <a:endParaRPr lang="en-US" sz="2000" dirty="0"/>
+          </a:p>
+        </p:txBody>
+      </p:sp>
+    </p:spTree>
+    <p:extLst>
+      <p:ext uri="{BB962C8B-B14F-4D97-AF65-F5344CB8AC3E}">
+        <p14:creationId xmlns:p14="http://schemas.microsoft.com/office/powerpoint/2010/main" val="1963738921"/>
+      </p:ext>
+    </p:extLst>
+  </p:cSld>
+  <p:clrMapOvr>
+    <a:masterClrMapping/>
+  </p:clrMapOvr>
+</p:sld>
+</file>
+
+<file path=ppt/slides/slide7.xml><?xml version="1.0" encoding="utf-8"?>
+<p:sld xmlns:a="http://schemas.openxmlformats.org/drawingml/2006/main" xmlns:r="http://schemas.openxmlformats.org/officeDocument/2006/relationships" xmlns:p="http://schemas.openxmlformats.org/presentationml/2006/main">
+  <p:cSld>
+    <p:spTree>
+      <p:nvGrpSpPr>
+        <p:cNvPr id="1" name=""/>
+        <p:cNvGrpSpPr/>
+        <p:nvPr/>
+      </p:nvGrpSpPr>
+      <p:grpSpPr>
+        <a:xfrm>
+          <a:off x="0" y="0"/>
+          <a:ext cx="0" cy="0"/>
+          <a:chOff x="0" y="0"/>
+          <a:chExt cx="0" cy="0"/>
+        </a:xfrm>
+      </p:grpSpPr>
+      <p:sp>
+        <p:nvSpPr>
+          <p:cNvPr id="2" name="Title 1">
+            <a:extLst>
+              <a:ext uri="{FF2B5EF4-FFF2-40B4-BE49-F238E27FC236}">
                 <a16:creationId xmlns:a16="http://schemas.microsoft.com/office/drawing/2014/main" id="{EA07FFA3-B5DE-DE56-DAFB-73D5EA8E18EF}"/>
               </a:ext>
             </a:extLst>
@@ -7241,7 +8567,7 @@
 </p:sld>
 </file>
 
-<file path=ppt/slides/slide5.xml><?xml version="1.0" encoding="utf-8"?>
+<file path=ppt/slides/slide8.xml><?xml version="1.0" encoding="utf-8"?>
 <p:sld xmlns:a="http://schemas.openxmlformats.org/drawingml/2006/main" xmlns:r="http://schemas.openxmlformats.org/officeDocument/2006/relationships" xmlns:p="http://schemas.openxmlformats.org/presentationml/2006/main">
   <p:cSld>
     <p:spTree>
@@ -7343,605 +8669,6 @@
 </p:sld>
 </file>
 
-<file path=ppt/slides/slide6.xml><?xml version="1.0" encoding="utf-8"?>
-<p:sld xmlns:a="http://schemas.openxmlformats.org/drawingml/2006/main" xmlns:r="http://schemas.openxmlformats.org/officeDocument/2006/relationships" xmlns:p="http://schemas.openxmlformats.org/presentationml/2006/main">
-  <p:cSld>
-    <p:spTree>
-      <p:nvGrpSpPr>
-        <p:cNvPr id="1" name=""/>
-        <p:cNvGrpSpPr/>
-        <p:nvPr/>
-      </p:nvGrpSpPr>
-      <p:grpSpPr>
-        <a:xfrm>
-          <a:off x="0" y="0"/>
-          <a:ext cx="0" cy="0"/>
-          <a:chOff x="0" y="0"/>
-          <a:chExt cx="0" cy="0"/>
-        </a:xfrm>
-      </p:grpSpPr>
-      <p:sp>
-        <p:nvSpPr>
-          <p:cNvPr id="2" name="Title 1">
-            <a:extLst>
-              <a:ext uri="{FF2B5EF4-FFF2-40B4-BE49-F238E27FC236}">
-                <a16:creationId xmlns:a16="http://schemas.microsoft.com/office/drawing/2014/main" id="{382C2F20-CBA6-51DB-1A26-3BD7C0DC753D}"/>
-              </a:ext>
-            </a:extLst>
-          </p:cNvPr>
-          <p:cNvSpPr>
-            <a:spLocks noGrp="1"/>
-          </p:cNvSpPr>
-          <p:nvPr>
-            <p:ph type="title"/>
-          </p:nvPr>
-        </p:nvSpPr>
-        <p:spPr/>
-        <p:txBody>
-          <a:bodyPr/>
-          <a:lstStyle/>
-          <a:p>
-            <a:r>
-              <a:rPr lang="en-US" b="1" dirty="0"/>
-              <a:t>Floating-Point Representation (Refresher)</a:t>
-            </a:r>
-          </a:p>
-        </p:txBody>
-      </p:sp>
-      <p:sp>
-        <p:nvSpPr>
-          <p:cNvPr id="3" name="Content Placeholder 2">
-            <a:extLst>
-              <a:ext uri="{FF2B5EF4-FFF2-40B4-BE49-F238E27FC236}">
-                <a16:creationId xmlns:a16="http://schemas.microsoft.com/office/drawing/2014/main" id="{75AD8303-B532-FCAC-A4A9-E14A2AD39E36}"/>
-              </a:ext>
-            </a:extLst>
-          </p:cNvPr>
-          <p:cNvSpPr>
-            <a:spLocks noGrp="1"/>
-          </p:cNvSpPr>
-          <p:nvPr>
-            <p:ph idx="1"/>
-          </p:nvPr>
-        </p:nvSpPr>
-        <p:spPr/>
-        <p:txBody>
-          <a:bodyPr>
-            <a:normAutofit fontScale="85000" lnSpcReduction="20000"/>
-          </a:bodyPr>
-          <a:lstStyle/>
-          <a:p>
-            <a:r>
-              <a:rPr lang="en-US" sz="3600" dirty="0"/>
-              <a:t>IEEE 754 format (32-bit float):</a:t>
-            </a:r>
-          </a:p>
-          <a:p>
-            <a:pPr lvl="1"/>
-            <a:r>
-              <a:rPr lang="en-US" sz="3600" dirty="0"/>
-              <a:t>Sign bit (1)</a:t>
-            </a:r>
-          </a:p>
-          <a:p>
-            <a:pPr lvl="1"/>
-            <a:r>
-              <a:rPr lang="en-US" sz="3600" dirty="0"/>
-              <a:t>Exponent (8)</a:t>
-            </a:r>
-          </a:p>
-          <a:p>
-            <a:pPr lvl="1"/>
-            <a:r>
-              <a:rPr lang="en-US" sz="3600" dirty="0"/>
-              <a:t>Mantissa (23)</a:t>
-            </a:r>
-          </a:p>
-          <a:p>
-            <a:r>
-              <a:rPr lang="en-GB" sz="3600" dirty="0"/>
-              <a:t>Advantages: wide dynamic range, easy for algorithm development</a:t>
-            </a:r>
-          </a:p>
-          <a:p>
-            <a:r>
-              <a:rPr lang="en-GB" sz="3600" dirty="0"/>
-              <a:t>Limitation: not always efficient for embedded</a:t>
-            </a:r>
-            <a:endParaRPr lang="en-US" sz="3600" dirty="0"/>
-          </a:p>
-        </p:txBody>
-      </p:sp>
-    </p:spTree>
-    <p:extLst>
-      <p:ext uri="{BB962C8B-B14F-4D97-AF65-F5344CB8AC3E}">
-        <p14:creationId xmlns:p14="http://schemas.microsoft.com/office/powerpoint/2010/main" val="1102555136"/>
-      </p:ext>
-    </p:extLst>
-  </p:cSld>
-  <p:clrMapOvr>
-    <a:masterClrMapping/>
-  </p:clrMapOvr>
-</p:sld>
-</file>
-
-<file path=ppt/slides/slide7.xml><?xml version="1.0" encoding="utf-8"?>
-<p:sld xmlns:a="http://schemas.openxmlformats.org/drawingml/2006/main" xmlns:r="http://schemas.openxmlformats.org/officeDocument/2006/relationships" xmlns:p="http://schemas.openxmlformats.org/presentationml/2006/main">
-  <p:cSld>
-    <p:spTree>
-      <p:nvGrpSpPr>
-        <p:cNvPr id="1" name=""/>
-        <p:cNvGrpSpPr/>
-        <p:nvPr/>
-      </p:nvGrpSpPr>
-      <p:grpSpPr>
-        <a:xfrm>
-          <a:off x="0" y="0"/>
-          <a:ext cx="0" cy="0"/>
-          <a:chOff x="0" y="0"/>
-          <a:chExt cx="0" cy="0"/>
-        </a:xfrm>
-      </p:grpSpPr>
-      <p:sp>
-        <p:nvSpPr>
-          <p:cNvPr id="2" name="Title 1">
-            <a:extLst>
-              <a:ext uri="{FF2B5EF4-FFF2-40B4-BE49-F238E27FC236}">
-                <a16:creationId xmlns:a16="http://schemas.microsoft.com/office/drawing/2014/main" id="{AEA23F2B-BD03-6DEC-C3C6-91FD0E7E89FE}"/>
-              </a:ext>
-            </a:extLst>
-          </p:cNvPr>
-          <p:cNvSpPr>
-            <a:spLocks noGrp="1"/>
-          </p:cNvSpPr>
-          <p:nvPr>
-            <p:ph type="title"/>
-          </p:nvPr>
-        </p:nvSpPr>
-        <p:spPr/>
-        <p:txBody>
-          <a:bodyPr/>
-          <a:lstStyle/>
-          <a:p>
-            <a:r>
-              <a:rPr lang="en-US" b="1" dirty="0"/>
-              <a:t>Fixed-Point Representation</a:t>
-            </a:r>
-          </a:p>
-        </p:txBody>
-      </p:sp>
-      <p:sp>
-        <p:nvSpPr>
-          <p:cNvPr id="3" name="Content Placeholder 2">
-            <a:extLst>
-              <a:ext uri="{FF2B5EF4-FFF2-40B4-BE49-F238E27FC236}">
-                <a16:creationId xmlns:a16="http://schemas.microsoft.com/office/drawing/2014/main" id="{F99C5C7B-6343-152D-4B91-87D8C3092449}"/>
-              </a:ext>
-            </a:extLst>
-          </p:cNvPr>
-          <p:cNvSpPr>
-            <a:spLocks noGrp="1"/>
-          </p:cNvSpPr>
-          <p:nvPr>
-            <p:ph idx="1"/>
-          </p:nvPr>
-        </p:nvSpPr>
-        <p:spPr/>
-        <p:txBody>
-          <a:bodyPr>
-            <a:normAutofit fontScale="77500" lnSpcReduction="20000"/>
-          </a:bodyPr>
-          <a:lstStyle/>
-          <a:p>
-            <a:r>
-              <a:rPr lang="en-GB" sz="3600" dirty="0"/>
-              <a:t>Represented as </a:t>
-            </a:r>
-            <a:r>
-              <a:rPr lang="en-GB" sz="3600" b="1" dirty="0"/>
-              <a:t>integers scaled by a factor</a:t>
-            </a:r>
-          </a:p>
-          <a:p>
-            <a:r>
-              <a:rPr lang="en-US" sz="3600" dirty="0"/>
-              <a:t>General format: </a:t>
-            </a:r>
-            <a:r>
-              <a:rPr lang="en-US" sz="3600" b="1" dirty="0"/>
-              <a:t>Q1.m.n</a:t>
-            </a:r>
-          </a:p>
-          <a:p>
-            <a:pPr lvl="1"/>
-            <a:r>
-              <a:rPr lang="sv-SE" sz="3600" dirty="0"/>
-              <a:t>1 sign bit</a:t>
-            </a:r>
-          </a:p>
-          <a:p>
-            <a:pPr lvl="1"/>
-            <a:r>
-              <a:rPr lang="sv-SE" sz="3600" dirty="0"/>
-              <a:t>m = Range bits</a:t>
-            </a:r>
-          </a:p>
-          <a:p>
-            <a:pPr lvl="1"/>
-            <a:r>
-              <a:rPr lang="en-US" sz="3600" dirty="0"/>
-              <a:t>n = fractional bits</a:t>
-            </a:r>
-          </a:p>
-          <a:p>
-            <a:r>
-              <a:rPr lang="en-GB" sz="3600" dirty="0"/>
-              <a:t>Example: Q1.0.15 (16-bit signed fixed-point)</a:t>
-            </a:r>
-          </a:p>
-          <a:p>
-            <a:pPr lvl="1"/>
-            <a:r>
-              <a:rPr lang="en-GB" sz="3600" dirty="0"/>
-              <a:t>Range: –2</a:t>
-            </a:r>
-            <a:r>
-              <a:rPr lang="en-GB" sz="3600" baseline="30000" dirty="0"/>
-              <a:t>0</a:t>
-            </a:r>
-            <a:r>
-              <a:rPr lang="en-GB" sz="3600" dirty="0"/>
-              <a:t> to (2</a:t>
-            </a:r>
-            <a:r>
-              <a:rPr lang="en-GB" sz="3600" baseline="30000" dirty="0"/>
-              <a:t>0</a:t>
-            </a:r>
-            <a:r>
-              <a:rPr lang="en-GB" sz="3600" dirty="0"/>
-              <a:t> – 2⁻¹⁵) = -1.0 to 1 - 2⁻¹⁵</a:t>
-            </a:r>
-          </a:p>
-          <a:p>
-            <a:pPr lvl="1"/>
-            <a:r>
-              <a:rPr lang="en-GB" sz="3600" dirty="0"/>
-              <a:t>Stored as 16-bit signed integer  </a:t>
-            </a:r>
-            <a:endParaRPr lang="en-US" sz="3600" dirty="0"/>
-          </a:p>
-          <a:p>
-            <a:endParaRPr lang="en-US" dirty="0"/>
-          </a:p>
-        </p:txBody>
-      </p:sp>
-    </p:spTree>
-    <p:extLst>
-      <p:ext uri="{BB962C8B-B14F-4D97-AF65-F5344CB8AC3E}">
-        <p14:creationId xmlns:p14="http://schemas.microsoft.com/office/powerpoint/2010/main" val="3564446729"/>
-      </p:ext>
-    </p:extLst>
-  </p:cSld>
-  <p:clrMapOvr>
-    <a:masterClrMapping/>
-  </p:clrMapOvr>
-</p:sld>
-</file>
-
-<file path=ppt/slides/slide8.xml><?xml version="1.0" encoding="utf-8"?>
-<p:sld xmlns:a="http://schemas.openxmlformats.org/drawingml/2006/main" xmlns:r="http://schemas.openxmlformats.org/officeDocument/2006/relationships" xmlns:p="http://schemas.openxmlformats.org/presentationml/2006/main">
-  <p:cSld>
-    <p:spTree>
-      <p:nvGrpSpPr>
-        <p:cNvPr id="1" name=""/>
-        <p:cNvGrpSpPr/>
-        <p:nvPr/>
-      </p:nvGrpSpPr>
-      <p:grpSpPr>
-        <a:xfrm>
-          <a:off x="0" y="0"/>
-          <a:ext cx="0" cy="0"/>
-          <a:chOff x="0" y="0"/>
-          <a:chExt cx="0" cy="0"/>
-        </a:xfrm>
-      </p:grpSpPr>
-      <p:sp>
-        <p:nvSpPr>
-          <p:cNvPr id="2" name="Title 1">
-            <a:extLst>
-              <a:ext uri="{FF2B5EF4-FFF2-40B4-BE49-F238E27FC236}">
-                <a16:creationId xmlns:a16="http://schemas.microsoft.com/office/drawing/2014/main" id="{B9435FF9-73AC-E09B-14D8-1F9748DB44E7}"/>
-              </a:ext>
-            </a:extLst>
-          </p:cNvPr>
-          <p:cNvSpPr>
-            <a:spLocks noGrp="1"/>
-          </p:cNvSpPr>
-          <p:nvPr>
-            <p:ph type="title"/>
-          </p:nvPr>
-        </p:nvSpPr>
-        <p:spPr/>
-        <p:txBody>
-          <a:bodyPr/>
-          <a:lstStyle/>
-          <a:p>
-            <a:r>
-              <a:rPr lang="en-US" b="1" dirty="0"/>
-              <a:t>Float-to-Fixed Conversion</a:t>
-            </a:r>
-          </a:p>
-        </p:txBody>
-      </p:sp>
-      <mc:AlternateContent xmlns:mc="http://schemas.openxmlformats.org/markup-compatibility/2006">
-        <mc:Choice xmlns:a14="http://schemas.microsoft.com/office/drawing/2010/main" Requires="a14">
-          <p:sp>
-            <p:nvSpPr>
-              <p:cNvPr id="3" name="Content Placeholder 2">
-                <a:extLst>
-                  <a:ext uri="{FF2B5EF4-FFF2-40B4-BE49-F238E27FC236}">
-                    <a16:creationId xmlns:a16="http://schemas.microsoft.com/office/drawing/2014/main" id="{03D98C05-1156-4305-5030-A2A4A8C65873}"/>
-                  </a:ext>
-                </a:extLst>
-              </p:cNvPr>
-              <p:cNvSpPr>
-                <a:spLocks noGrp="1"/>
-              </p:cNvSpPr>
-              <p:nvPr>
-                <p:ph idx="1"/>
-              </p:nvPr>
-            </p:nvSpPr>
-            <p:spPr>
-              <a:xfrm>
-                <a:off x="766981" y="1270000"/>
-                <a:ext cx="8596668" cy="3880773"/>
-              </a:xfrm>
-            </p:spPr>
-            <p:txBody>
-              <a:bodyPr>
-                <a:noAutofit/>
-              </a:bodyPr>
-              <a:lstStyle/>
-              <a:p>
-                <a:r>
-                  <a:rPr lang="en-US" sz="3600" dirty="0"/>
-                  <a:t>Formula:Q1.m.n</a:t>
-                </a:r>
-              </a:p>
-              <a:p>
-                <a:pPr marL="0" indent="0">
-                  <a:buNone/>
-                </a:pPr>
-                <a14:m>
-                  <m:oMathPara xmlns:m="http://schemas.openxmlformats.org/officeDocument/2006/math">
-                    <m:oMathParaPr>
-                      <m:jc m:val="centerGroup"/>
-                    </m:oMathParaPr>
-                    <m:oMath xmlns:m="http://schemas.openxmlformats.org/officeDocument/2006/math">
-                      <m:r>
-                        <m:rPr>
-                          <m:nor/>
-                        </m:rPr>
-                        <a:rPr lang="en-US" sz="3600" b="0"/>
-                        <m:t>Fixe</m:t>
-                      </m:r>
-                      <m:r>
-                        <m:rPr>
-                          <m:sty m:val="p"/>
-                        </m:rPr>
-                        <a:rPr lang="en-GB" sz="3600" b="0" i="0" smtClean="0"/>
-                        <m:t>dpt</m:t>
-                      </m:r>
-                      <m:r>
-                        <a:rPr lang="en-GB" sz="3600" b="0" i="0" smtClean="0"/>
-                        <m:t>_</m:t>
-                      </m:r>
-                      <m:r>
-                        <m:rPr>
-                          <m:sty m:val="p"/>
-                        </m:rPr>
-                        <a:rPr lang="en-GB" sz="3600" b="0" i="0" smtClean="0">
-                          <a:latin typeface="Cambria Math" panose="02040503050406030204" pitchFamily="18" charset="0"/>
-                        </a:rPr>
-                        <m:t>v</m:t>
-                      </m:r>
-                      <m:r>
-                        <m:rPr>
-                          <m:sty m:val="p"/>
-                        </m:rPr>
-                        <a:rPr lang="en-GB" sz="3600" b="0" i="0" smtClean="0"/>
-                        <m:t>alue</m:t>
-                      </m:r>
-                      <m:r>
-                        <a:rPr lang="en-US" sz="3600"/>
-                        <m:t>=</m:t>
-                      </m:r>
-                      <m:r>
-                        <m:rPr>
-                          <m:nor/>
-                        </m:rPr>
-                        <a:rPr lang="en-US" sz="3600" i="1"/>
-                        <m:t>round</m:t>
-                      </m:r>
-                      <m:d>
-                        <m:dPr>
-                          <m:ctrlPr>
-                            <a:rPr lang="ar-AE" sz="3600" i="1"/>
-                          </m:ctrlPr>
-                        </m:dPr>
-                        <m:e>
-                          <m:r>
-                            <m:rPr>
-                              <m:nor/>
-                            </m:rPr>
-                            <a:rPr lang="en-US" sz="3600" i="1"/>
-                            <m:t>Float</m:t>
-                          </m:r>
-                          <m:r>
-                            <m:rPr>
-                              <m:nor/>
-                            </m:rPr>
-                            <a:rPr lang="en-GB" sz="3600" b="0" i="1" smtClean="0"/>
-                            <m:t>ingpt</m:t>
-                          </m:r>
-                          <m:r>
-                            <m:rPr>
-                              <m:nor/>
-                            </m:rPr>
-                            <a:rPr lang="en-GB" sz="3600" b="0" i="1" smtClean="0"/>
-                            <m:t>_</m:t>
-                          </m:r>
-                          <m:r>
-                            <m:rPr>
-                              <m:nor/>
-                            </m:rPr>
-                            <a:rPr lang="en-GB" sz="3600" b="0" i="1" smtClean="0"/>
-                            <m:t>value</m:t>
-                          </m:r>
-                          <m:r>
-                            <a:rPr lang="en-US" sz="3600"/>
-                            <m:t>×</m:t>
-                          </m:r>
-                          <m:sSup>
-                            <m:sSupPr>
-                              <m:ctrlPr>
-                                <a:rPr lang="ar-AE" sz="3600" i="1"/>
-                              </m:ctrlPr>
-                            </m:sSupPr>
-                            <m:e>
-                              <m:r>
-                                <a:rPr lang="ar-AE" sz="3600"/>
-                                <m:t>2</m:t>
-                              </m:r>
-                            </m:e>
-                            <m:sup>
-                              <m:r>
-                                <a:rPr lang="ar-AE" sz="3600" i="1"/>
-                                <m:t>𝑛</m:t>
-                              </m:r>
-                            </m:sup>
-                          </m:sSup>
-                        </m:e>
-                      </m:d>
-                    </m:oMath>
-                  </m:oMathPara>
-                </a14:m>
-                <a:endParaRPr lang="ar-AE" sz="3600" b="0" dirty="0"/>
-              </a:p>
-              <a:p>
-                <a:pPr marL="0" indent="0">
-                  <a:buNone/>
-                </a:pPr>
-                <a:r>
-                  <a:rPr lang="en-US" sz="3600" dirty="0"/>
-                  <a:t>   where </a:t>
-                </a:r>
-                <a:r>
-                  <a:rPr lang="en-US" sz="3600" i="1" dirty="0"/>
-                  <a:t>n</a:t>
-                </a:r>
-                <a:r>
-                  <a:rPr lang="en-US" sz="3600" dirty="0"/>
-                  <a:t> = number of fractional bits</a:t>
-                </a:r>
-              </a:p>
-              <a:p>
-                <a:r>
-                  <a:rPr lang="en-US" sz="3600" dirty="0"/>
-                  <a:t>Example:</a:t>
-                </a:r>
-              </a:p>
-              <a:p>
-                <a:pPr lvl="1"/>
-                <a:r>
-                  <a:rPr lang="en-GB" sz="3600" dirty="0"/>
-                  <a:t>Float = 0.4768, Q1.0.15 → round(0.4768 × 2</a:t>
-                </a:r>
-                <a:r>
-                  <a:rPr lang="en-GB" sz="3600" baseline="30000" dirty="0"/>
-                  <a:t>15</a:t>
-                </a:r>
-                <a:r>
-                  <a:rPr lang="en-GB" sz="3600" dirty="0"/>
-                  <a:t>) = 15628</a:t>
-                </a:r>
-              </a:p>
-              <a:p>
-                <a:pPr lvl="1"/>
-                <a:r>
-                  <a:rPr lang="en-GB" sz="3600" dirty="0"/>
-                  <a:t>Float = –0.5792, Q1.0.15 → round(- 0.5792 × 2</a:t>
-                </a:r>
-                <a:r>
-                  <a:rPr lang="en-GB" sz="3600" baseline="30000" dirty="0"/>
-                  <a:t>15</a:t>
-                </a:r>
-                <a:r>
-                  <a:rPr lang="en-GB" sz="3600" dirty="0"/>
-                  <a:t>) = –18979</a:t>
-                </a:r>
-                <a:endParaRPr lang="en-US" sz="3600" dirty="0"/>
-              </a:p>
-            </p:txBody>
-          </p:sp>
-        </mc:Choice>
-        <mc:Fallback>
-          <p:sp>
-            <p:nvSpPr>
-              <p:cNvPr id="3" name="Content Placeholder 2">
-                <a:extLst>
-                  <a:ext uri="{FF2B5EF4-FFF2-40B4-BE49-F238E27FC236}">
-                    <a16:creationId xmlns:a16="http://schemas.microsoft.com/office/drawing/2014/main" id="{03D98C05-1156-4305-5030-A2A4A8C65873}"/>
-                  </a:ext>
-                </a:extLst>
-              </p:cNvPr>
-              <p:cNvSpPr>
-                <a:spLocks noGrp="1" noRot="1" noChangeAspect="1" noMove="1" noResize="1" noEditPoints="1" noAdjustHandles="1" noChangeArrowheads="1" noChangeShapeType="1" noTextEdit="1"/>
-              </p:cNvSpPr>
-              <p:nvPr>
-                <p:ph idx="1"/>
-              </p:nvPr>
-            </p:nvSpPr>
-            <p:spPr>
-              <a:xfrm>
-                <a:off x="766981" y="1270000"/>
-                <a:ext cx="8596668" cy="3880773"/>
-              </a:xfrm>
-              <a:blipFill>
-                <a:blip r:embed="rId2"/>
-                <a:stretch>
-                  <a:fillRect l="-1418" t="-2198" b="-48352"/>
-                </a:stretch>
-              </a:blipFill>
-            </p:spPr>
-            <p:txBody>
-              <a:bodyPr/>
-              <a:lstStyle/>
-              <a:p>
-                <a:r>
-                  <a:rPr lang="en-US">
-                    <a:noFill/>
-                  </a:rPr>
-                  <a:t> </a:t>
-                </a:r>
-              </a:p>
-            </p:txBody>
-          </p:sp>
-        </mc:Fallback>
-      </mc:AlternateContent>
-    </p:spTree>
-    <p:extLst>
-      <p:ext uri="{BB962C8B-B14F-4D97-AF65-F5344CB8AC3E}">
-        <p14:creationId xmlns:p14="http://schemas.microsoft.com/office/powerpoint/2010/main" val="137103175"/>
-      </p:ext>
-    </p:extLst>
-  </p:cSld>
-  <p:clrMapOvr>
-    <a:masterClrMapping/>
-  </p:clrMapOvr>
-</p:sld>
-</file>
-
 <file path=ppt/slides/slide9.xml><?xml version="1.0" encoding="utf-8"?>
 <p:sld xmlns:a="http://schemas.openxmlformats.org/drawingml/2006/main" xmlns:r="http://schemas.openxmlformats.org/officeDocument/2006/relationships" xmlns:p="http://schemas.openxmlformats.org/presentationml/2006/main">
   <p:cSld>
@@ -7964,7 +8691,7 @@
           <p:cNvPr id="2" name="Title 1">
             <a:extLst>
               <a:ext uri="{FF2B5EF4-FFF2-40B4-BE49-F238E27FC236}">
-                <a16:creationId xmlns:a16="http://schemas.microsoft.com/office/drawing/2014/main" id="{C8984C74-B02E-CDC0-9A20-91459C53DD19}"/>
+                <a16:creationId xmlns:a16="http://schemas.microsoft.com/office/drawing/2014/main" id="{382C2F20-CBA6-51DB-1A26-3BD7C0DC753D}"/>
               </a:ext>
             </a:extLst>
           </p:cNvPr>
@@ -7982,7 +8709,7 @@
           <a:p>
             <a:r>
               <a:rPr lang="en-US" b="1" dirty="0"/>
-              <a:t>Precision vs. Range Trade-off</a:t>
+              <a:t>Floating-Point Representation (Refresher)</a:t>
             </a:r>
           </a:p>
         </p:txBody>
@@ -7992,7 +8719,7 @@
           <p:cNvPr id="3" name="Content Placeholder 2">
             <a:extLst>
               <a:ext uri="{FF2B5EF4-FFF2-40B4-BE49-F238E27FC236}">
-                <a16:creationId xmlns:a16="http://schemas.microsoft.com/office/drawing/2014/main" id="{E98EEE50-3454-EA0A-9C99-101D8849FB4D}"/>
+                <a16:creationId xmlns:a16="http://schemas.microsoft.com/office/drawing/2014/main" id="{75AD8303-B532-FCAC-A4A9-E14A2AD39E36}"/>
               </a:ext>
             </a:extLst>
           </p:cNvPr>
@@ -8006,96 +8733,55 @@
         <p:spPr/>
         <p:txBody>
           <a:bodyPr>
-            <a:normAutofit fontScale="77500" lnSpcReduction="20000"/>
+            <a:normAutofit fontScale="85000" lnSpcReduction="20000"/>
           </a:bodyPr>
           <a:lstStyle/>
           <a:p>
             <a:r>
+              <a:rPr lang="en-US" sz="3600" dirty="0"/>
+              <a:t>IEEE 754 format (32-bit float):</a:t>
+            </a:r>
+          </a:p>
+          <a:p>
+            <a:pPr lvl="1"/>
+            <a:r>
+              <a:rPr lang="en-US" sz="3600" dirty="0"/>
+              <a:t>Sign bit (1)</a:t>
+            </a:r>
+          </a:p>
+          <a:p>
+            <a:pPr lvl="1"/>
+            <a:r>
+              <a:rPr lang="en-US" sz="3600" dirty="0"/>
+              <a:t>Exponent (8)</a:t>
+            </a:r>
+          </a:p>
+          <a:p>
+            <a:pPr lvl="1"/>
+            <a:r>
+              <a:rPr lang="en-US" sz="3600" dirty="0"/>
+              <a:t>Mantissa (23)</a:t>
+            </a:r>
+          </a:p>
+          <a:p>
+            <a:r>
               <a:rPr lang="en-GB" sz="3600" dirty="0"/>
-              <a:t>More fractional bits → higher precision, smaller range</a:t>
-            </a:r>
-          </a:p>
-          <a:p>
-            <a:pPr lvl="1"/>
+              <a:t>Advantages: wide dynamic range, easy for algorithm development</a:t>
+            </a:r>
+          </a:p>
+          <a:p>
             <a:r>
               <a:rPr lang="en-GB" sz="3600" dirty="0"/>
-              <a:t>Q1.2.13 --&gt; range is 2</a:t>
-            </a:r>
-            <a:r>
-              <a:rPr lang="en-GB" sz="3600" baseline="30000" dirty="0"/>
-              <a:t>2</a:t>
-            </a:r>
-            <a:r>
-              <a:rPr lang="en-GB" sz="3600" dirty="0"/>
-              <a:t> --&gt;</a:t>
-            </a:r>
-            <a:r>
-              <a:rPr lang="en-GB" sz="3600" baseline="30000" dirty="0"/>
-              <a:t> </a:t>
-            </a:r>
-            <a:r>
-              <a:rPr lang="en-GB" sz="3600" dirty="0"/>
-              <a:t> -4 to 4 – 2</a:t>
-            </a:r>
-            <a:r>
-              <a:rPr lang="en-GB" sz="3600" baseline="30000" dirty="0"/>
-              <a:t>-13</a:t>
-            </a:r>
-            <a:r>
-              <a:rPr lang="en-GB" sz="3600" dirty="0"/>
-              <a:t> (0.0001220703125)</a:t>
-            </a:r>
-            <a:endParaRPr lang="en-GB" sz="3600" baseline="30000" dirty="0"/>
-          </a:p>
-          <a:p>
-            <a:pPr lvl="1"/>
-            <a:r>
-              <a:rPr lang="en-GB" sz="3600" dirty="0"/>
-              <a:t>Q1.2.29 --&gt; range is 2</a:t>
-            </a:r>
-            <a:r>
-              <a:rPr lang="en-GB" sz="3600" baseline="30000" dirty="0"/>
-              <a:t>4</a:t>
-            </a:r>
-            <a:r>
-              <a:rPr lang="en-GB" sz="3600" dirty="0"/>
-              <a:t> --&gt;</a:t>
-            </a:r>
-            <a:r>
-              <a:rPr lang="en-GB" sz="3600" baseline="30000" dirty="0"/>
-              <a:t> </a:t>
-            </a:r>
-            <a:r>
-              <a:rPr lang="en-GB" sz="3600" dirty="0"/>
-              <a:t> -16 to 16 – 2</a:t>
-            </a:r>
-            <a:r>
-              <a:rPr lang="en-GB" sz="3600" baseline="30000" dirty="0"/>
-              <a:t>-29 </a:t>
-            </a:r>
-            <a:r>
-              <a:rPr lang="en-GB" sz="3600" dirty="0"/>
-              <a:t> (0.00000000186264514923095703125)</a:t>
-            </a:r>
-          </a:p>
-          <a:p>
-            <a:r>
-              <a:rPr lang="en-GB" sz="3600" dirty="0"/>
-              <a:t>More integer bits → larger range, lower precision</a:t>
-            </a:r>
-          </a:p>
-          <a:p>
-            <a:r>
-              <a:rPr lang="en-US" sz="3600" dirty="0"/>
-              <a:t>Balance depends on algorithm</a:t>
-            </a:r>
+              <a:t>Limitation: not always efficient for embedded</a:t>
+            </a:r>
+            <a:endParaRPr lang="en-US" sz="3600" dirty="0"/>
           </a:p>
         </p:txBody>
       </p:sp>
     </p:spTree>
     <p:extLst>
       <p:ext uri="{BB962C8B-B14F-4D97-AF65-F5344CB8AC3E}">
-        <p14:creationId xmlns:p14="http://schemas.microsoft.com/office/powerpoint/2010/main" val="2977640135"/>
+        <p14:creationId xmlns:p14="http://schemas.microsoft.com/office/powerpoint/2010/main" val="1102555136"/>
       </p:ext>
     </p:extLst>
   </p:cSld>
